--- a/docs/diagrams/UiComponentClassDiagram.pptx
+++ b/docs/diagrams/UiComponentClassDiagram.pptx
@@ -208,7 +208,7 @@
           <a:p>
             <a:fld id="{F5CC4B3F-88C1-4FFA-B1B6-F41C21DC6924}" type="datetimeFigureOut">
               <a:rPr lang="en-US" smtClean="0"/>
-              <a:t>12/15/2018</a:t>
+              <a:t>3/25/2019</a:t>
             </a:fld>
             <a:endParaRPr lang="en-US"/>
           </a:p>
@@ -475,6 +475,90 @@
 </p:notesMaster>
 </file>
 
+<file path=ppt/notesSlides/notesSlide1.xml><?xml version="1.0" encoding="utf-8"?>
+<p:notes xmlns:a="http://schemas.openxmlformats.org/drawingml/2006/main" xmlns:r="http://schemas.openxmlformats.org/officeDocument/2006/relationships" xmlns:p="http://schemas.openxmlformats.org/presentationml/2006/main">
+  <p:cSld>
+    <p:spTree>
+      <p:nvGrpSpPr>
+        <p:cNvPr id="1" name=""/>
+        <p:cNvGrpSpPr/>
+        <p:nvPr/>
+      </p:nvGrpSpPr>
+      <p:grpSpPr>
+        <a:xfrm>
+          <a:off x="0" y="0"/>
+          <a:ext cx="0" cy="0"/>
+          <a:chOff x="0" y="0"/>
+          <a:chExt cx="0" cy="0"/>
+        </a:xfrm>
+      </p:grpSpPr>
+      <p:sp>
+        <p:nvSpPr>
+          <p:cNvPr id="2" name="Slide Image Placeholder 1"/>
+          <p:cNvSpPr>
+            <a:spLocks noGrp="1" noRot="1" noChangeAspect="1"/>
+          </p:cNvSpPr>
+          <p:nvPr>
+            <p:ph type="sldImg"/>
+          </p:nvPr>
+        </p:nvSpPr>
+        <p:spPr/>
+      </p:sp>
+      <p:sp>
+        <p:nvSpPr>
+          <p:cNvPr id="3" name="Notes Placeholder 2"/>
+          <p:cNvSpPr>
+            <a:spLocks noGrp="1"/>
+          </p:cNvSpPr>
+          <p:nvPr>
+            <p:ph type="body" idx="1"/>
+          </p:nvPr>
+        </p:nvSpPr>
+        <p:spPr/>
+        <p:txBody>
+          <a:bodyPr/>
+          <a:lstStyle/>
+          <a:p>
+            <a:endParaRPr lang="en-SG" dirty="0"/>
+          </a:p>
+        </p:txBody>
+      </p:sp>
+      <p:sp>
+        <p:nvSpPr>
+          <p:cNvPr id="4" name="Slide Number Placeholder 3"/>
+          <p:cNvSpPr>
+            <a:spLocks noGrp="1"/>
+          </p:cNvSpPr>
+          <p:nvPr>
+            <p:ph type="sldNum" sz="quarter" idx="5"/>
+          </p:nvPr>
+        </p:nvSpPr>
+        <p:spPr/>
+        <p:txBody>
+          <a:bodyPr/>
+          <a:lstStyle/>
+          <a:p>
+            <a:fld id="{5A7AB025-77E3-4BD1-A2FD-B3183DBA47A3}" type="slidenum">
+              <a:rPr lang="en-US" smtClean="0"/>
+              <a:t>1</a:t>
+            </a:fld>
+            <a:endParaRPr lang="en-US"/>
+          </a:p>
+        </p:txBody>
+      </p:sp>
+    </p:spTree>
+    <p:extLst>
+      <p:ext uri="{BB962C8B-B14F-4D97-AF65-F5344CB8AC3E}">
+        <p14:creationId xmlns:p14="http://schemas.microsoft.com/office/powerpoint/2010/main" val="1299918104"/>
+      </p:ext>
+    </p:extLst>
+  </p:cSld>
+  <p:clrMapOvr>
+    <a:masterClrMapping/>
+  </p:clrMapOvr>
+</p:notes>
+</file>
+
 <file path=ppt/slideLayouts/slideLayout1.xml><?xml version="1.0" encoding="utf-8"?>
 <p:sldLayout xmlns:a="http://schemas.openxmlformats.org/drawingml/2006/main" xmlns:r="http://schemas.openxmlformats.org/officeDocument/2006/relationships" xmlns:p="http://schemas.openxmlformats.org/presentationml/2006/main" type="title" preserve="1">
   <p:cSld name="Title Slide">
@@ -654,7 +738,7 @@
           <a:p>
             <a:fld id="{78C97017-6FC3-485B-9764-EAC9E56C1D49}" type="datetimeFigureOut">
               <a:rPr lang="en-US" smtClean="0"/>
-              <a:t>12/15/2018</a:t>
+              <a:t>3/25/2019</a:t>
             </a:fld>
             <a:endParaRPr lang="en-US"/>
           </a:p>
@@ -822,7 +906,7 @@
           <a:p>
             <a:fld id="{78C97017-6FC3-485B-9764-EAC9E56C1D49}" type="datetimeFigureOut">
               <a:rPr lang="en-US" smtClean="0"/>
-              <a:t>12/15/2018</a:t>
+              <a:t>3/25/2019</a:t>
             </a:fld>
             <a:endParaRPr lang="en-US"/>
           </a:p>
@@ -1000,7 +1084,7 @@
           <a:p>
             <a:fld id="{78C97017-6FC3-485B-9764-EAC9E56C1D49}" type="datetimeFigureOut">
               <a:rPr lang="en-US" smtClean="0"/>
-              <a:t>12/15/2018</a:t>
+              <a:t>3/25/2019</a:t>
             </a:fld>
             <a:endParaRPr lang="en-US"/>
           </a:p>
@@ -1168,7 +1252,7 @@
           <a:p>
             <a:fld id="{78C97017-6FC3-485B-9764-EAC9E56C1D49}" type="datetimeFigureOut">
               <a:rPr lang="en-US" smtClean="0"/>
-              <a:t>12/15/2018</a:t>
+              <a:t>3/25/2019</a:t>
             </a:fld>
             <a:endParaRPr lang="en-US"/>
           </a:p>
@@ -1413,7 +1497,7 @@
           <a:p>
             <a:fld id="{78C97017-6FC3-485B-9764-EAC9E56C1D49}" type="datetimeFigureOut">
               <a:rPr lang="en-US" smtClean="0"/>
-              <a:t>12/15/2018</a:t>
+              <a:t>3/25/2019</a:t>
             </a:fld>
             <a:endParaRPr lang="en-US"/>
           </a:p>
@@ -1698,7 +1782,7 @@
           <a:p>
             <a:fld id="{78C97017-6FC3-485B-9764-EAC9E56C1D49}" type="datetimeFigureOut">
               <a:rPr lang="en-US" smtClean="0"/>
-              <a:t>12/15/2018</a:t>
+              <a:t>3/25/2019</a:t>
             </a:fld>
             <a:endParaRPr lang="en-US"/>
           </a:p>
@@ -2117,7 +2201,7 @@
           <a:p>
             <a:fld id="{78C97017-6FC3-485B-9764-EAC9E56C1D49}" type="datetimeFigureOut">
               <a:rPr lang="en-US" smtClean="0"/>
-              <a:t>12/15/2018</a:t>
+              <a:t>3/25/2019</a:t>
             </a:fld>
             <a:endParaRPr lang="en-US"/>
           </a:p>
@@ -2234,7 +2318,7 @@
           <a:p>
             <a:fld id="{78C97017-6FC3-485B-9764-EAC9E56C1D49}" type="datetimeFigureOut">
               <a:rPr lang="en-US" smtClean="0"/>
-              <a:t>12/15/2018</a:t>
+              <a:t>3/25/2019</a:t>
             </a:fld>
             <a:endParaRPr lang="en-US"/>
           </a:p>
@@ -2329,7 +2413,7 @@
           <a:p>
             <a:fld id="{78C97017-6FC3-485B-9764-EAC9E56C1D49}" type="datetimeFigureOut">
               <a:rPr lang="en-US" smtClean="0"/>
-              <a:t>12/15/2018</a:t>
+              <a:t>3/25/2019</a:t>
             </a:fld>
             <a:endParaRPr lang="en-US"/>
           </a:p>
@@ -2604,7 +2688,7 @@
           <a:p>
             <a:fld id="{78C97017-6FC3-485B-9764-EAC9E56C1D49}" type="datetimeFigureOut">
               <a:rPr lang="en-US" smtClean="0"/>
-              <a:t>12/15/2018</a:t>
+              <a:t>3/25/2019</a:t>
             </a:fld>
             <a:endParaRPr lang="en-US"/>
           </a:p>
@@ -2856,7 +2940,7 @@
           <a:p>
             <a:fld id="{78C97017-6FC3-485B-9764-EAC9E56C1D49}" type="datetimeFigureOut">
               <a:rPr lang="en-US" smtClean="0"/>
-              <a:t>12/15/2018</a:t>
+              <a:t>3/25/2019</a:t>
             </a:fld>
             <a:endParaRPr lang="en-US"/>
           </a:p>
@@ -3067,7 +3151,7 @@
           <a:p>
             <a:fld id="{78C97017-6FC3-485B-9764-EAC9E56C1D49}" type="datetimeFigureOut">
               <a:rPr lang="en-US" smtClean="0"/>
-              <a:t>12/15/2018</a:t>
+              <a:t>3/25/2019</a:t>
             </a:fld>
             <a:endParaRPr lang="en-US"/>
           </a:p>
@@ -3450,8 +3534,8 @@
         </p:nvSpPr>
         <p:spPr>
           <a:xfrm>
-            <a:off x="1217465" y="1447800"/>
-            <a:ext cx="4917083" cy="3962400"/>
+            <a:off x="1752600" y="1447800"/>
+            <a:ext cx="2286000" cy="2286000"/>
           </a:xfrm>
           <a:prstGeom prst="roundRect">
             <a:avLst>
@@ -3673,7 +3757,7 @@
                   <a:schemeClr val="bg1"/>
                 </a:solidFill>
               </a:rPr>
-              <a:t>UiManager</a:t>
+              <a:t>Gui</a:t>
             </a:r>
             <a:endParaRPr lang="en-SG" sz="1050" dirty="0">
               <a:solidFill>
@@ -3728,105 +3812,14 @@
       </p:cxnSp>
       <p:sp>
         <p:nvSpPr>
-          <p:cNvPr id="16" name="Isosceles Triangle 102"/>
-          <p:cNvSpPr/>
-          <p:nvPr/>
-        </p:nvSpPr>
-        <p:spPr>
-          <a:xfrm rot="10800000" flipV="1">
-            <a:off x="5394717" y="2110477"/>
-            <a:ext cx="270504" cy="175523"/>
-          </a:xfrm>
-          <a:prstGeom prst="triangle">
-            <a:avLst/>
-          </a:prstGeom>
-          <a:ln w="6350">
-            <a:solidFill>
-              <a:schemeClr val="accent3"/>
-            </a:solidFill>
-          </a:ln>
-          <a:effectLst/>
-        </p:spPr>
-        <p:style>
-          <a:lnRef idx="1">
-            <a:schemeClr val="accent3"/>
-          </a:lnRef>
-          <a:fillRef idx="2">
-            <a:schemeClr val="accent3"/>
-          </a:fillRef>
-          <a:effectRef idx="1">
-            <a:schemeClr val="accent3"/>
-          </a:effectRef>
-          <a:fontRef idx="minor">
-            <a:schemeClr val="dk1"/>
-          </a:fontRef>
-        </p:style>
-        <p:txBody>
-          <a:bodyPr rtlCol="0" anchor="ctr"/>
-          <a:lstStyle/>
-          <a:p>
-            <a:pPr algn="ctr"/>
-            <a:endParaRPr lang="en-SG" sz="1050" b="1">
-              <a:solidFill>
-                <a:srgbClr val="92D050"/>
-              </a:solidFill>
-            </a:endParaRPr>
-          </a:p>
-        </p:txBody>
-      </p:sp>
-      <p:cxnSp>
-        <p:nvCxnSpPr>
-          <p:cNvPr id="19" name="Elbow Connector 122"/>
-          <p:cNvCxnSpPr/>
-          <p:nvPr/>
-        </p:nvCxnSpPr>
-        <p:spPr>
-          <a:xfrm flipV="1">
-            <a:off x="644735" y="2991937"/>
-            <a:ext cx="684904" cy="1"/>
-          </a:xfrm>
-          <a:prstGeom prst="bentConnector3">
-            <a:avLst>
-              <a:gd name="adj1" fmla="val 50000"/>
-            </a:avLst>
-          </a:prstGeom>
-          <a:ln w="19050">
-            <a:solidFill>
-              <a:schemeClr val="bg1">
-                <a:lumMod val="75000"/>
-              </a:schemeClr>
-            </a:solidFill>
-            <a:prstDash val="sysDot"/>
-            <a:headEnd type="none" w="med" len="med"/>
-            <a:tailEnd type="arrow" w="med" len="med"/>
-          </a:ln>
-          <a:effectLst/>
-        </p:spPr>
-        <p:style>
-          <a:lnRef idx="1">
-            <a:schemeClr val="accent2"/>
-          </a:lnRef>
-          <a:fillRef idx="2">
-            <a:schemeClr val="accent2"/>
-          </a:fillRef>
-          <a:effectRef idx="1">
-            <a:schemeClr val="accent2"/>
-          </a:effectRef>
-          <a:fontRef idx="minor">
-            <a:schemeClr val="dk1"/>
-          </a:fontRef>
-        </p:style>
-      </p:cxnSp>
-      <p:sp>
-        <p:nvSpPr>
           <p:cNvPr id="22" name="Rectangle 65"/>
           <p:cNvSpPr/>
           <p:nvPr/>
         </p:nvSpPr>
         <p:spPr>
           <a:xfrm rot="16200000">
-            <a:off x="5703829" y="2464877"/>
-            <a:ext cx="2362201" cy="328045"/>
+            <a:off x="4013816" y="1780281"/>
+            <a:ext cx="1058097" cy="328045"/>
           </a:xfrm>
           <a:prstGeom prst="roundRect">
             <a:avLst/>
@@ -3872,306 +3865,6 @@
             <a:endParaRPr lang="en-SG" sz="1100" b="1" dirty="0">
               <a:solidFill>
                 <a:schemeClr val="bg1"/>
-              </a:solidFill>
-            </a:endParaRPr>
-          </a:p>
-        </p:txBody>
-      </p:sp>
-      <p:sp>
-        <p:nvSpPr>
-          <p:cNvPr id="34" name="Rectangle 11"/>
-          <p:cNvSpPr/>
-          <p:nvPr/>
-        </p:nvSpPr>
-        <p:spPr>
-          <a:xfrm>
-            <a:off x="2592528" y="3649359"/>
-            <a:ext cx="1093635" cy="236841"/>
-          </a:xfrm>
-          <a:prstGeom prst="rect">
-            <a:avLst/>
-          </a:prstGeom>
-          <a:ln w="19050">
-            <a:solidFill>
-              <a:schemeClr val="accent3"/>
-            </a:solidFill>
-          </a:ln>
-          <a:effectLst/>
-        </p:spPr>
-        <p:style>
-          <a:lnRef idx="1">
-            <a:schemeClr val="accent3"/>
-          </a:lnRef>
-          <a:fillRef idx="2">
-            <a:schemeClr val="accent3"/>
-          </a:fillRef>
-          <a:effectRef idx="1">
-            <a:schemeClr val="accent3"/>
-          </a:effectRef>
-          <a:fontRef idx="minor">
-            <a:schemeClr val="dk1"/>
-          </a:fontRef>
-        </p:style>
-        <p:txBody>
-          <a:bodyPr rtlCol="0" anchor="ctr"/>
-          <a:lstStyle/>
-          <a:p>
-            <a:pPr algn="ctr"/>
-            <a:r>
-              <a:rPr lang="en-US" sz="1050" b="1" dirty="0" err="1">
-                <a:solidFill>
-                  <a:schemeClr val="accent3">
-                    <a:lumMod val="75000"/>
-                  </a:schemeClr>
-                </a:solidFill>
-              </a:rPr>
-              <a:t>BrowserPanel</a:t>
-            </a:r>
-            <a:endParaRPr lang="en-SG" sz="1050" b="1" dirty="0">
-              <a:solidFill>
-                <a:schemeClr val="accent3">
-                  <a:lumMod val="75000"/>
-                </a:schemeClr>
-              </a:solidFill>
-            </a:endParaRPr>
-          </a:p>
-        </p:txBody>
-      </p:sp>
-      <p:sp>
-        <p:nvSpPr>
-          <p:cNvPr id="35" name="Rectangle 11"/>
-          <p:cNvSpPr/>
-          <p:nvPr/>
-        </p:nvSpPr>
-        <p:spPr>
-          <a:xfrm>
-            <a:off x="2592527" y="4563759"/>
-            <a:ext cx="1093635" cy="236841"/>
-          </a:xfrm>
-          <a:prstGeom prst="rect">
-            <a:avLst/>
-          </a:prstGeom>
-          <a:ln w="19050">
-            <a:solidFill>
-              <a:schemeClr val="accent3"/>
-            </a:solidFill>
-          </a:ln>
-          <a:effectLst/>
-        </p:spPr>
-        <p:style>
-          <a:lnRef idx="1">
-            <a:schemeClr val="accent3"/>
-          </a:lnRef>
-          <a:fillRef idx="2">
-            <a:schemeClr val="accent3"/>
-          </a:fillRef>
-          <a:effectRef idx="1">
-            <a:schemeClr val="accent3"/>
-          </a:effectRef>
-          <a:fontRef idx="minor">
-            <a:schemeClr val="dk1"/>
-          </a:fontRef>
-        </p:style>
-        <p:txBody>
-          <a:bodyPr rtlCol="0" anchor="ctr"/>
-          <a:lstStyle/>
-          <a:p>
-            <a:pPr algn="ctr"/>
-            <a:r>
-              <a:rPr lang="en-US" sz="1050" b="1" dirty="0" err="1">
-                <a:solidFill>
-                  <a:schemeClr val="accent3">
-                    <a:lumMod val="75000"/>
-                  </a:schemeClr>
-                </a:solidFill>
-              </a:rPr>
-              <a:t>StatusBarFooter</a:t>
-            </a:r>
-            <a:endParaRPr lang="en-SG" sz="1050" b="1" dirty="0">
-              <a:solidFill>
-                <a:schemeClr val="accent3">
-                  <a:lumMod val="75000"/>
-                </a:schemeClr>
-              </a:solidFill>
-            </a:endParaRPr>
-          </a:p>
-        </p:txBody>
-      </p:sp>
-      <p:sp>
-        <p:nvSpPr>
-          <p:cNvPr id="36" name="Rectangle 11"/>
-          <p:cNvSpPr/>
-          <p:nvPr/>
-        </p:nvSpPr>
-        <p:spPr>
-          <a:xfrm>
-            <a:off x="2592526" y="3991960"/>
-            <a:ext cx="1093635" cy="236841"/>
-          </a:xfrm>
-          <a:prstGeom prst="rect">
-            <a:avLst/>
-          </a:prstGeom>
-          <a:ln w="19050">
-            <a:solidFill>
-              <a:schemeClr val="accent3"/>
-            </a:solidFill>
-          </a:ln>
-          <a:effectLst/>
-        </p:spPr>
-        <p:style>
-          <a:lnRef idx="1">
-            <a:schemeClr val="accent3"/>
-          </a:lnRef>
-          <a:fillRef idx="2">
-            <a:schemeClr val="accent3"/>
-          </a:fillRef>
-          <a:effectRef idx="1">
-            <a:schemeClr val="accent3"/>
-          </a:effectRef>
-          <a:fontRef idx="minor">
-            <a:schemeClr val="dk1"/>
-          </a:fontRef>
-        </p:style>
-        <p:txBody>
-          <a:bodyPr rtlCol="0" anchor="ctr"/>
-          <a:lstStyle/>
-          <a:p>
-            <a:pPr algn="ctr"/>
-            <a:r>
-              <a:rPr lang="en-US" sz="1050" b="1" dirty="0" err="1">
-                <a:solidFill>
-                  <a:schemeClr val="accent3">
-                    <a:lumMod val="75000"/>
-                  </a:schemeClr>
-                </a:solidFill>
-              </a:rPr>
-              <a:t>PersonListPanel</a:t>
-            </a:r>
-            <a:endParaRPr lang="en-SG" sz="1050" b="1" dirty="0">
-              <a:solidFill>
-                <a:schemeClr val="accent3">
-                  <a:lumMod val="75000"/>
-                </a:schemeClr>
-              </a:solidFill>
-            </a:endParaRPr>
-          </a:p>
-        </p:txBody>
-      </p:sp>
-      <p:sp>
-        <p:nvSpPr>
-          <p:cNvPr id="37" name="Rectangle 11"/>
-          <p:cNvSpPr/>
-          <p:nvPr/>
-        </p:nvSpPr>
-        <p:spPr>
-          <a:xfrm>
-            <a:off x="3839323" y="4228801"/>
-            <a:ext cx="1040906" cy="236841"/>
-          </a:xfrm>
-          <a:prstGeom prst="rect">
-            <a:avLst/>
-          </a:prstGeom>
-          <a:ln w="19050">
-            <a:solidFill>
-              <a:schemeClr val="accent3"/>
-            </a:solidFill>
-          </a:ln>
-          <a:effectLst/>
-        </p:spPr>
-        <p:style>
-          <a:lnRef idx="1">
-            <a:schemeClr val="accent3"/>
-          </a:lnRef>
-          <a:fillRef idx="2">
-            <a:schemeClr val="accent3"/>
-          </a:fillRef>
-          <a:effectRef idx="1">
-            <a:schemeClr val="accent3"/>
-          </a:effectRef>
-          <a:fontRef idx="minor">
-            <a:schemeClr val="dk1"/>
-          </a:fontRef>
-        </p:style>
-        <p:txBody>
-          <a:bodyPr rtlCol="0" anchor="ctr"/>
-          <a:lstStyle/>
-          <a:p>
-            <a:pPr algn="ctr"/>
-            <a:r>
-              <a:rPr lang="en-US" sz="1050" b="1" dirty="0" err="1">
-                <a:solidFill>
-                  <a:schemeClr val="accent3">
-                    <a:lumMod val="75000"/>
-                  </a:schemeClr>
-                </a:solidFill>
-              </a:rPr>
-              <a:t>PersonCard</a:t>
-            </a:r>
-            <a:endParaRPr lang="en-SG" sz="1050" b="1" dirty="0">
-              <a:solidFill>
-                <a:schemeClr val="accent3">
-                  <a:lumMod val="75000"/>
-                </a:schemeClr>
-              </a:solidFill>
-            </a:endParaRPr>
-          </a:p>
-        </p:txBody>
-      </p:sp>
-      <p:sp>
-        <p:nvSpPr>
-          <p:cNvPr id="38" name="Rectangle 11"/>
-          <p:cNvSpPr/>
-          <p:nvPr/>
-        </p:nvSpPr>
-        <p:spPr>
-          <a:xfrm>
-            <a:off x="2592528" y="4966000"/>
-            <a:ext cx="1093635" cy="236841"/>
-          </a:xfrm>
-          <a:prstGeom prst="rect">
-            <a:avLst/>
-          </a:prstGeom>
-          <a:ln w="19050">
-            <a:solidFill>
-              <a:schemeClr val="accent3"/>
-            </a:solidFill>
-          </a:ln>
-          <a:effectLst/>
-        </p:spPr>
-        <p:style>
-          <a:lnRef idx="1">
-            <a:schemeClr val="accent3"/>
-          </a:lnRef>
-          <a:fillRef idx="2">
-            <a:schemeClr val="accent3"/>
-          </a:fillRef>
-          <a:effectRef idx="1">
-            <a:schemeClr val="accent3"/>
-          </a:effectRef>
-          <a:fontRef idx="minor">
-            <a:schemeClr val="dk1"/>
-          </a:fontRef>
-        </p:style>
-        <p:txBody>
-          <a:bodyPr rtlCol="0" anchor="ctr"/>
-          <a:lstStyle/>
-          <a:p>
-            <a:pPr algn="ctr"/>
-            <a:r>
-              <a:rPr lang="en-US" sz="1050" b="1" dirty="0" err="1">
-                <a:solidFill>
-                  <a:schemeClr val="accent3">
-                    <a:lumMod val="75000"/>
-                  </a:schemeClr>
-                </a:solidFill>
-              </a:rPr>
-              <a:t>HelpWindow</a:t>
-            </a:r>
-            <a:endParaRPr lang="en-SG" sz="1050" b="1" dirty="0">
-              <a:solidFill>
-                <a:schemeClr val="accent3">
-                  <a:lumMod val="75000"/>
-                </a:schemeClr>
               </a:solidFill>
             </a:endParaRPr>
           </a:p>
@@ -4328,504 +4021,17 @@
       </p:sp>
       <p:cxnSp>
         <p:nvCxnSpPr>
-          <p:cNvPr id="44" name="Elbow Connector 63"/>
-          <p:cNvCxnSpPr>
-            <a:stCxn id="39" idx="2"/>
-            <a:endCxn id="34" idx="1"/>
-          </p:cNvCxnSpPr>
-          <p:nvPr/>
-        </p:nvCxnSpPr>
-        <p:spPr>
-          <a:xfrm rot="16200000" flipH="1">
-            <a:off x="2054450" y="3229701"/>
-            <a:ext cx="899755" cy="176402"/>
-          </a:xfrm>
-          <a:prstGeom prst="bentConnector2">
-            <a:avLst/>
-          </a:prstGeom>
-          <a:ln w="19050">
-            <a:solidFill>
-              <a:schemeClr val="accent3"/>
-            </a:solidFill>
-            <a:headEnd type="none" w="med" len="med"/>
-            <a:tailEnd type="arrow" w="med" len="med"/>
-          </a:ln>
-          <a:effectLst/>
-        </p:spPr>
-        <p:style>
-          <a:lnRef idx="1">
-            <a:schemeClr val="accent2"/>
-          </a:lnRef>
-          <a:fillRef idx="2">
-            <a:schemeClr val="accent2"/>
-          </a:fillRef>
-          <a:effectRef idx="1">
-            <a:schemeClr val="accent2"/>
-          </a:effectRef>
-          <a:fontRef idx="minor">
-            <a:schemeClr val="dk1"/>
-          </a:fontRef>
-        </p:style>
-      </p:cxnSp>
-      <p:cxnSp>
-        <p:nvCxnSpPr>
-          <p:cNvPr id="47" name="Elbow Connector 63"/>
-          <p:cNvCxnSpPr>
-            <a:stCxn id="39" idx="2"/>
-            <a:endCxn id="36" idx="1"/>
-          </p:cNvCxnSpPr>
-          <p:nvPr/>
-        </p:nvCxnSpPr>
-        <p:spPr>
-          <a:xfrm rot="16200000" flipH="1">
-            <a:off x="1883148" y="3401003"/>
-            <a:ext cx="1242356" cy="176400"/>
-          </a:xfrm>
-          <a:prstGeom prst="bentConnector2">
-            <a:avLst/>
-          </a:prstGeom>
-          <a:ln w="19050">
-            <a:solidFill>
-              <a:schemeClr val="accent3"/>
-            </a:solidFill>
-            <a:headEnd type="none" w="med" len="med"/>
-            <a:tailEnd type="arrow" w="med" len="med"/>
-          </a:ln>
-          <a:effectLst/>
-        </p:spPr>
-        <p:style>
-          <a:lnRef idx="1">
-            <a:schemeClr val="accent2"/>
-          </a:lnRef>
-          <a:fillRef idx="2">
-            <a:schemeClr val="accent2"/>
-          </a:fillRef>
-          <a:effectRef idx="1">
-            <a:schemeClr val="accent2"/>
-          </a:effectRef>
-          <a:fontRef idx="minor">
-            <a:schemeClr val="dk1"/>
-          </a:fontRef>
-        </p:style>
-      </p:cxnSp>
-      <p:cxnSp>
-        <p:nvCxnSpPr>
-          <p:cNvPr id="50" name="Elbow Connector 63"/>
-          <p:cNvCxnSpPr>
-            <a:stCxn id="39" idx="2"/>
-            <a:endCxn id="35" idx="1"/>
-          </p:cNvCxnSpPr>
-          <p:nvPr/>
-        </p:nvCxnSpPr>
-        <p:spPr>
-          <a:xfrm rot="16200000" flipH="1">
-            <a:off x="1597249" y="3686901"/>
-            <a:ext cx="1814155" cy="176401"/>
-          </a:xfrm>
-          <a:prstGeom prst="bentConnector2">
-            <a:avLst/>
-          </a:prstGeom>
-          <a:ln w="19050">
-            <a:solidFill>
-              <a:schemeClr val="accent3"/>
-            </a:solidFill>
-            <a:headEnd type="none" w="med" len="med"/>
-            <a:tailEnd type="arrow" w="med" len="med"/>
-          </a:ln>
-          <a:effectLst/>
-        </p:spPr>
-        <p:style>
-          <a:lnRef idx="1">
-            <a:schemeClr val="accent2"/>
-          </a:lnRef>
-          <a:fillRef idx="2">
-            <a:schemeClr val="accent2"/>
-          </a:fillRef>
-          <a:effectRef idx="1">
-            <a:schemeClr val="accent2"/>
-          </a:effectRef>
-          <a:fontRef idx="minor">
-            <a:schemeClr val="dk1"/>
-          </a:fontRef>
-        </p:style>
-      </p:cxnSp>
-      <p:cxnSp>
-        <p:nvCxnSpPr>
-          <p:cNvPr id="53" name="Elbow Connector 63"/>
-          <p:cNvCxnSpPr>
-            <a:endCxn id="38" idx="1"/>
-          </p:cNvCxnSpPr>
-          <p:nvPr/>
-        </p:nvCxnSpPr>
-        <p:spPr>
-          <a:xfrm rot="16200000" flipH="1">
-            <a:off x="1184119" y="3676012"/>
-            <a:ext cx="2396440" cy="420377"/>
-          </a:xfrm>
-          <a:prstGeom prst="bentConnector2">
-            <a:avLst/>
-          </a:prstGeom>
-          <a:ln w="19050">
-            <a:solidFill>
-              <a:schemeClr val="accent3"/>
-            </a:solidFill>
-            <a:headEnd type="none" w="med" len="med"/>
-            <a:tailEnd type="arrow" w="med" len="med"/>
-          </a:ln>
-          <a:effectLst/>
-        </p:spPr>
-        <p:style>
-          <a:lnRef idx="1">
-            <a:schemeClr val="accent2"/>
-          </a:lnRef>
-          <a:fillRef idx="2">
-            <a:schemeClr val="accent2"/>
-          </a:fillRef>
-          <a:effectRef idx="1">
-            <a:schemeClr val="accent2"/>
-          </a:effectRef>
-          <a:fontRef idx="minor">
-            <a:schemeClr val="dk1"/>
-          </a:fontRef>
-        </p:style>
-      </p:cxnSp>
-      <p:sp>
-        <p:nvSpPr>
-          <p:cNvPr id="73" name="Rectangle 62"/>
-          <p:cNvSpPr/>
-          <p:nvPr/>
-        </p:nvSpPr>
-        <p:spPr>
-          <a:xfrm>
-            <a:off x="5143948" y="1770924"/>
-            <a:ext cx="772043" cy="346760"/>
-          </a:xfrm>
-          <a:prstGeom prst="rect">
-            <a:avLst/>
-          </a:prstGeom>
-          <a:ln w="6350">
-            <a:solidFill>
-              <a:schemeClr val="accent3"/>
-            </a:solidFill>
-          </a:ln>
-          <a:effectLst/>
-        </p:spPr>
-        <p:style>
-          <a:lnRef idx="1">
-            <a:schemeClr val="accent3"/>
-          </a:lnRef>
-          <a:fillRef idx="2">
-            <a:schemeClr val="accent3"/>
-          </a:fillRef>
-          <a:effectRef idx="1">
-            <a:schemeClr val="accent3"/>
-          </a:effectRef>
-          <a:fontRef idx="minor">
-            <a:schemeClr val="dk1"/>
-          </a:fontRef>
-        </p:style>
-        <p:txBody>
-          <a:bodyPr rtlCol="0" anchor="ctr"/>
-          <a:lstStyle/>
-          <a:p>
-            <a:pPr algn="ctr"/>
-            <a:r>
-              <a:rPr lang="en-US" sz="1050" b="1" dirty="0">
-                <a:solidFill>
-                  <a:schemeClr val="accent3">
-                    <a:lumMod val="75000"/>
-                  </a:schemeClr>
-                </a:solidFill>
-              </a:rPr>
-              <a:t>{abstract}</a:t>
-            </a:r>
-            <a:br>
-              <a:rPr lang="en-US" sz="1050" b="1" dirty="0">
-                <a:solidFill>
-                  <a:schemeClr val="accent3">
-                    <a:lumMod val="75000"/>
-                  </a:schemeClr>
-                </a:solidFill>
-              </a:rPr>
-            </a:br>
-            <a:r>
-              <a:rPr lang="en-US" sz="1050" b="1" dirty="0" err="1">
-                <a:solidFill>
-                  <a:schemeClr val="accent3">
-                    <a:lumMod val="75000"/>
-                  </a:schemeClr>
-                </a:solidFill>
-              </a:rPr>
-              <a:t>UiPart</a:t>
-            </a:r>
-            <a:endParaRPr lang="en-SG" sz="1050" b="1" dirty="0">
-              <a:solidFill>
-                <a:schemeClr val="accent3">
-                  <a:lumMod val="75000"/>
-                </a:schemeClr>
-              </a:solidFill>
-            </a:endParaRPr>
-          </a:p>
-        </p:txBody>
-      </p:sp>
-      <p:cxnSp>
-        <p:nvCxnSpPr>
-          <p:cNvPr id="74" name="Elbow Connector 63"/>
-          <p:cNvCxnSpPr>
-            <a:stCxn id="43" idx="3"/>
-            <a:endCxn id="16" idx="3"/>
-          </p:cNvCxnSpPr>
-          <p:nvPr/>
-        </p:nvCxnSpPr>
-        <p:spPr>
-          <a:xfrm flipV="1">
-            <a:off x="3686160" y="2286000"/>
-            <a:ext cx="1843809" cy="1136729"/>
-          </a:xfrm>
-          <a:prstGeom prst="bentConnector2">
-            <a:avLst/>
-          </a:prstGeom>
-          <a:ln w="6350">
-            <a:solidFill>
-              <a:schemeClr val="accent3"/>
-            </a:solidFill>
-            <a:headEnd type="none" w="med" len="med"/>
-            <a:tailEnd type="none" w="med" len="med"/>
-          </a:ln>
-          <a:effectLst/>
-        </p:spPr>
-        <p:style>
-          <a:lnRef idx="1">
-            <a:schemeClr val="accent2"/>
-          </a:lnRef>
-          <a:fillRef idx="2">
-            <a:schemeClr val="accent2"/>
-          </a:fillRef>
-          <a:effectRef idx="1">
-            <a:schemeClr val="accent2"/>
-          </a:effectRef>
-          <a:fontRef idx="minor">
-            <a:schemeClr val="dk1"/>
-          </a:fontRef>
-        </p:style>
-      </p:cxnSp>
-      <p:cxnSp>
-        <p:nvCxnSpPr>
-          <p:cNvPr id="77" name="Elbow Connector 63"/>
-          <p:cNvCxnSpPr>
-            <a:stCxn id="16" idx="3"/>
-            <a:endCxn id="37" idx="3"/>
-          </p:cNvCxnSpPr>
-          <p:nvPr/>
-        </p:nvCxnSpPr>
-        <p:spPr>
-          <a:xfrm rot="5400000">
-            <a:off x="4174488" y="2991741"/>
-            <a:ext cx="2061222" cy="649740"/>
-          </a:xfrm>
-          <a:prstGeom prst="bentConnector2">
-            <a:avLst/>
-          </a:prstGeom>
-          <a:ln w="6350">
-            <a:solidFill>
-              <a:schemeClr val="accent3"/>
-            </a:solidFill>
-            <a:headEnd type="none" w="med" len="med"/>
-            <a:tailEnd type="none" w="med" len="med"/>
-          </a:ln>
-          <a:effectLst/>
-        </p:spPr>
-        <p:style>
-          <a:lnRef idx="1">
-            <a:schemeClr val="accent2"/>
-          </a:lnRef>
-          <a:fillRef idx="2">
-            <a:schemeClr val="accent2"/>
-          </a:fillRef>
-          <a:effectRef idx="1">
-            <a:schemeClr val="accent2"/>
-          </a:effectRef>
-          <a:fontRef idx="minor">
-            <a:schemeClr val="dk1"/>
-          </a:fontRef>
-        </p:style>
-      </p:cxnSp>
-      <p:cxnSp>
-        <p:nvCxnSpPr>
-          <p:cNvPr id="82" name="Elbow Connector 63"/>
-          <p:cNvCxnSpPr>
-            <a:stCxn id="16" idx="3"/>
-            <a:endCxn id="34" idx="3"/>
-          </p:cNvCxnSpPr>
-          <p:nvPr/>
-        </p:nvCxnSpPr>
-        <p:spPr>
-          <a:xfrm rot="5400000">
-            <a:off x="3867176" y="2104987"/>
-            <a:ext cx="1481780" cy="1843806"/>
-          </a:xfrm>
-          <a:prstGeom prst="bentConnector2">
-            <a:avLst/>
-          </a:prstGeom>
-          <a:ln w="6350">
-            <a:solidFill>
-              <a:schemeClr val="accent3"/>
-            </a:solidFill>
-            <a:headEnd type="none" w="med" len="med"/>
-            <a:tailEnd type="none" w="med" len="med"/>
-          </a:ln>
-          <a:effectLst/>
-        </p:spPr>
-        <p:style>
-          <a:lnRef idx="1">
-            <a:schemeClr val="accent2"/>
-          </a:lnRef>
-          <a:fillRef idx="2">
-            <a:schemeClr val="accent2"/>
-          </a:fillRef>
-          <a:effectRef idx="1">
-            <a:schemeClr val="accent2"/>
-          </a:effectRef>
-          <a:fontRef idx="minor">
-            <a:schemeClr val="dk1"/>
-          </a:fontRef>
-        </p:style>
-      </p:cxnSp>
-      <p:cxnSp>
-        <p:nvCxnSpPr>
-          <p:cNvPr id="88" name="Elbow Connector 63"/>
-          <p:cNvCxnSpPr>
-            <a:stCxn id="2" idx="3"/>
-            <a:endCxn id="16" idx="3"/>
-          </p:cNvCxnSpPr>
-          <p:nvPr/>
-        </p:nvCxnSpPr>
-        <p:spPr>
-          <a:xfrm flipV="1">
-            <a:off x="3189583" y="2286000"/>
-            <a:ext cx="2340386" cy="228600"/>
-          </a:xfrm>
-          <a:prstGeom prst="bentConnector2">
-            <a:avLst/>
-          </a:prstGeom>
-          <a:ln w="6350">
-            <a:solidFill>
-              <a:schemeClr val="accent3"/>
-            </a:solidFill>
-            <a:headEnd type="none" w="med" len="med"/>
-            <a:tailEnd type="none" w="med" len="med"/>
-          </a:ln>
-          <a:effectLst/>
-        </p:spPr>
-        <p:style>
-          <a:lnRef idx="1">
-            <a:schemeClr val="accent2"/>
-          </a:lnRef>
-          <a:fillRef idx="2">
-            <a:schemeClr val="accent2"/>
-          </a:fillRef>
-          <a:effectRef idx="1">
-            <a:schemeClr val="accent2"/>
-          </a:effectRef>
-          <a:fontRef idx="minor">
-            <a:schemeClr val="dk1"/>
-          </a:fontRef>
-        </p:style>
-      </p:cxnSp>
-      <p:cxnSp>
-        <p:nvCxnSpPr>
-          <p:cNvPr id="91" name="Elbow Connector 63"/>
-          <p:cNvCxnSpPr>
-            <a:stCxn id="16" idx="3"/>
-            <a:endCxn id="35" idx="3"/>
-          </p:cNvCxnSpPr>
-          <p:nvPr/>
-        </p:nvCxnSpPr>
-        <p:spPr>
-          <a:xfrm rot="5400000">
-            <a:off x="3409976" y="2562187"/>
-            <a:ext cx="2396180" cy="1843807"/>
-          </a:xfrm>
-          <a:prstGeom prst="bentConnector2">
-            <a:avLst/>
-          </a:prstGeom>
-          <a:ln w="6350">
-            <a:solidFill>
-              <a:schemeClr val="accent3"/>
-            </a:solidFill>
-            <a:headEnd type="none" w="med" len="med"/>
-            <a:tailEnd type="none" w="med" len="med"/>
-          </a:ln>
-          <a:effectLst/>
-        </p:spPr>
-        <p:style>
-          <a:lnRef idx="1">
-            <a:schemeClr val="accent2"/>
-          </a:lnRef>
-          <a:fillRef idx="2">
-            <a:schemeClr val="accent2"/>
-          </a:fillRef>
-          <a:effectRef idx="1">
-            <a:schemeClr val="accent2"/>
-          </a:effectRef>
-          <a:fontRef idx="minor">
-            <a:schemeClr val="dk1"/>
-          </a:fontRef>
-        </p:style>
-      </p:cxnSp>
-      <p:cxnSp>
-        <p:nvCxnSpPr>
-          <p:cNvPr id="94" name="Elbow Connector 63"/>
-          <p:cNvCxnSpPr>
-            <a:stCxn id="16" idx="3"/>
-            <a:endCxn id="38" idx="3"/>
-          </p:cNvCxnSpPr>
-          <p:nvPr/>
-        </p:nvCxnSpPr>
-        <p:spPr>
-          <a:xfrm rot="5400000">
-            <a:off x="3208856" y="2763307"/>
-            <a:ext cx="2798421" cy="1843806"/>
-          </a:xfrm>
-          <a:prstGeom prst="bentConnector2">
-            <a:avLst/>
-          </a:prstGeom>
-          <a:ln w="6350">
-            <a:solidFill>
-              <a:schemeClr val="accent3"/>
-            </a:solidFill>
-            <a:headEnd type="none" w="med" len="med"/>
-            <a:tailEnd type="none" w="med" len="med"/>
-          </a:ln>
-          <a:effectLst/>
-        </p:spPr>
-        <p:style>
-          <a:lnRef idx="1">
-            <a:schemeClr val="accent2"/>
-          </a:lnRef>
-          <a:fillRef idx="2">
-            <a:schemeClr val="accent2"/>
-          </a:fillRef>
-          <a:effectRef idx="1">
-            <a:schemeClr val="accent2"/>
-          </a:effectRef>
-          <a:fontRef idx="minor">
-            <a:schemeClr val="dk1"/>
-          </a:fontRef>
-        </p:style>
-      </p:cxnSp>
-      <p:cxnSp>
-        <p:nvCxnSpPr>
           <p:cNvPr id="107" name="Elbow Connector 106"/>
           <p:cNvCxnSpPr>
+            <a:cxnSpLocks/>
             <a:stCxn id="9" idx="0"/>
           </p:cNvCxnSpPr>
           <p:nvPr/>
         </p:nvCxnSpPr>
         <p:spPr>
           <a:xfrm rot="5400000" flipH="1" flipV="1">
-            <a:off x="4594921" y="-355061"/>
-            <a:ext cx="170724" cy="4081246"/>
+            <a:off x="3425286" y="825236"/>
+            <a:ext cx="160062" cy="1731314"/>
           </a:xfrm>
           <a:prstGeom prst="bentConnector2">
             <a:avLst/>
@@ -4837,226 +4043,6 @@
             <a:prstDash val="solid"/>
             <a:headEnd type="none" w="med" len="med"/>
             <a:tailEnd type="arrow" w="med" len="med"/>
-          </a:ln>
-          <a:effectLst/>
-        </p:spPr>
-        <p:style>
-          <a:lnRef idx="1">
-            <a:schemeClr val="accent2"/>
-          </a:lnRef>
-          <a:fillRef idx="2">
-            <a:schemeClr val="accent2"/>
-          </a:fillRef>
-          <a:effectRef idx="1">
-            <a:schemeClr val="accent2"/>
-          </a:effectRef>
-          <a:fontRef idx="minor">
-            <a:schemeClr val="dk1"/>
-          </a:fontRef>
-        </p:style>
-      </p:cxnSp>
-      <p:sp>
-        <p:nvSpPr>
-          <p:cNvPr id="117" name="Rectangle 65"/>
-          <p:cNvSpPr/>
-          <p:nvPr/>
-        </p:nvSpPr>
-        <p:spPr>
-          <a:xfrm rot="16200000">
-            <a:off x="6213739" y="4560376"/>
-            <a:ext cx="1371599" cy="328045"/>
-          </a:xfrm>
-          <a:prstGeom prst="roundRect">
-            <a:avLst/>
-          </a:prstGeom>
-          <a:solidFill>
-            <a:schemeClr val="accent4">
-              <a:lumMod val="20000"/>
-              <a:lumOff val="80000"/>
-            </a:schemeClr>
-          </a:solidFill>
-          <a:ln w="19050">
-            <a:noFill/>
-          </a:ln>
-          <a:effectLst/>
-        </p:spPr>
-        <p:style>
-          <a:lnRef idx="1">
-            <a:schemeClr val="accent2"/>
-          </a:lnRef>
-          <a:fillRef idx="2">
-            <a:schemeClr val="accent2"/>
-          </a:fillRef>
-          <a:effectRef idx="1">
-            <a:schemeClr val="accent2"/>
-          </a:effectRef>
-          <a:fontRef idx="minor">
-            <a:schemeClr val="dk1"/>
-          </a:fontRef>
-        </p:style>
-        <p:txBody>
-          <a:bodyPr rtlCol="0" anchor="ctr"/>
-          <a:lstStyle/>
-          <a:p>
-            <a:pPr algn="ctr"/>
-            <a:r>
-              <a:rPr lang="en-US" sz="1100" b="1" dirty="0">
-                <a:solidFill>
-                  <a:schemeClr val="bg1"/>
-                </a:solidFill>
-              </a:rPr>
-              <a:t>Model</a:t>
-            </a:r>
-            <a:endParaRPr lang="en-SG" sz="1100" b="1" dirty="0">
-              <a:solidFill>
-                <a:schemeClr val="bg1"/>
-              </a:solidFill>
-            </a:endParaRPr>
-          </a:p>
-        </p:txBody>
-      </p:sp>
-      <p:sp>
-        <p:nvSpPr>
-          <p:cNvPr id="119" name="Rectangle 62"/>
-          <p:cNvSpPr/>
-          <p:nvPr/>
-        </p:nvSpPr>
-        <p:spPr>
-          <a:xfrm rot="16200000">
-            <a:off x="956202" y="2861202"/>
-            <a:ext cx="1093635" cy="346760"/>
-          </a:xfrm>
-          <a:prstGeom prst="rect">
-            <a:avLst/>
-          </a:prstGeom>
-          <a:solidFill>
-            <a:srgbClr val="00B050"/>
-          </a:solidFill>
-          <a:ln w="19050">
-            <a:solidFill>
-              <a:srgbClr val="00B050"/>
-            </a:solidFill>
-          </a:ln>
-          <a:effectLst/>
-        </p:spPr>
-        <p:style>
-          <a:lnRef idx="1">
-            <a:schemeClr val="accent2"/>
-          </a:lnRef>
-          <a:fillRef idx="2">
-            <a:schemeClr val="accent2"/>
-          </a:fillRef>
-          <a:effectRef idx="1">
-            <a:schemeClr val="accent2"/>
-          </a:effectRef>
-          <a:fontRef idx="minor">
-            <a:schemeClr val="dk1"/>
-          </a:fontRef>
-        </p:style>
-        <p:txBody>
-          <a:bodyPr rtlCol="0" anchor="ctr"/>
-          <a:lstStyle/>
-          <a:p>
-            <a:pPr algn="ctr"/>
-            <a:r>
-              <a:rPr lang="en-US" sz="1050" dirty="0">
-                <a:solidFill>
-                  <a:schemeClr val="bg1"/>
-                </a:solidFill>
-              </a:rPr>
-              <a:t>&lt;&lt;interface&gt;&gt;</a:t>
-            </a:r>
-          </a:p>
-          <a:p>
-            <a:pPr algn="ctr"/>
-            <a:r>
-              <a:rPr lang="en-US" sz="1050" dirty="0" err="1">
-                <a:solidFill>
-                  <a:schemeClr val="bg1"/>
-                </a:solidFill>
-              </a:rPr>
-              <a:t>Ui</a:t>
-            </a:r>
-            <a:endParaRPr lang="en-SG" sz="1050" dirty="0">
-              <a:solidFill>
-                <a:schemeClr val="bg1"/>
-              </a:solidFill>
-            </a:endParaRPr>
-          </a:p>
-        </p:txBody>
-      </p:sp>
-      <p:sp>
-        <p:nvSpPr>
-          <p:cNvPr id="120" name="Isosceles Triangle 102"/>
-          <p:cNvSpPr/>
-          <p:nvPr/>
-        </p:nvSpPr>
-        <p:spPr>
-          <a:xfrm flipV="1">
-            <a:off x="1367767" y="2286001"/>
-            <a:ext cx="270504" cy="175523"/>
-          </a:xfrm>
-          <a:prstGeom prst="triangle">
-            <a:avLst/>
-          </a:prstGeom>
-          <a:ln w="19050">
-            <a:solidFill>
-              <a:srgbClr val="00B050"/>
-            </a:solidFill>
-          </a:ln>
-          <a:effectLst/>
-        </p:spPr>
-        <p:style>
-          <a:lnRef idx="1">
-            <a:schemeClr val="accent3"/>
-          </a:lnRef>
-          <a:fillRef idx="2">
-            <a:schemeClr val="accent3"/>
-          </a:fillRef>
-          <a:effectRef idx="1">
-            <a:schemeClr val="accent3"/>
-          </a:effectRef>
-          <a:fontRef idx="minor">
-            <a:schemeClr val="dk1"/>
-          </a:fontRef>
-        </p:style>
-        <p:txBody>
-          <a:bodyPr rtlCol="0" anchor="ctr"/>
-          <a:lstStyle/>
-          <a:p>
-            <a:pPr algn="ctr"/>
-            <a:endParaRPr lang="en-SG" sz="1050" b="1">
-              <a:solidFill>
-                <a:srgbClr val="92D050"/>
-              </a:solidFill>
-            </a:endParaRPr>
-          </a:p>
-        </p:txBody>
-      </p:sp>
-      <p:cxnSp>
-        <p:nvCxnSpPr>
-          <p:cNvPr id="121" name="Elbow Connector 63"/>
-          <p:cNvCxnSpPr>
-            <a:stCxn id="9" idx="1"/>
-            <a:endCxn id="120" idx="3"/>
-          </p:cNvCxnSpPr>
-          <p:nvPr/>
-        </p:nvCxnSpPr>
-        <p:spPr>
-          <a:xfrm rot="10800000" flipV="1">
-            <a:off x="1503020" y="1944303"/>
-            <a:ext cx="589823" cy="341697"/>
-          </a:xfrm>
-          <a:prstGeom prst="bentConnector2">
-            <a:avLst/>
-          </a:prstGeom>
-          <a:ln w="19050">
-            <a:solidFill>
-              <a:srgbClr val="00B050"/>
-            </a:solidFill>
-            <a:prstDash val="sysDot"/>
-            <a:headEnd type="none" w="med" len="med"/>
-            <a:tailEnd type="none" w="med" len="med"/>
           </a:ln>
           <a:effectLst/>
         </p:spPr>
@@ -5116,182 +4102,6 @@
           </a:fontRef>
         </p:style>
       </p:cxnSp>
-      <p:cxnSp>
-        <p:nvCxnSpPr>
-          <p:cNvPr id="132" name="Elbow Connector 63"/>
-          <p:cNvCxnSpPr>
-            <a:stCxn id="16" idx="3"/>
-            <a:endCxn id="3" idx="3"/>
-          </p:cNvCxnSpPr>
-          <p:nvPr/>
-        </p:nvCxnSpPr>
-        <p:spPr>
-          <a:xfrm rot="5400000">
-            <a:off x="4205956" y="1766207"/>
-            <a:ext cx="804221" cy="1843806"/>
-          </a:xfrm>
-          <a:prstGeom prst="bentConnector2">
-            <a:avLst/>
-          </a:prstGeom>
-          <a:ln w="6350">
-            <a:solidFill>
-              <a:schemeClr val="accent3"/>
-            </a:solidFill>
-            <a:headEnd type="none" w="med" len="med"/>
-            <a:tailEnd type="none" w="med" len="med"/>
-          </a:ln>
-          <a:effectLst/>
-        </p:spPr>
-        <p:style>
-          <a:lnRef idx="1">
-            <a:schemeClr val="accent2"/>
-          </a:lnRef>
-          <a:fillRef idx="2">
-            <a:schemeClr val="accent2"/>
-          </a:fillRef>
-          <a:effectRef idx="1">
-            <a:schemeClr val="accent2"/>
-          </a:effectRef>
-          <a:fontRef idx="minor">
-            <a:schemeClr val="dk1"/>
-          </a:fontRef>
-        </p:style>
-      </p:cxnSp>
-      <p:cxnSp>
-        <p:nvCxnSpPr>
-          <p:cNvPr id="137" name="Elbow Connector 136"/>
-          <p:cNvCxnSpPr>
-            <a:stCxn id="36" idx="2"/>
-            <a:endCxn id="37" idx="1"/>
-          </p:cNvCxnSpPr>
-          <p:nvPr/>
-        </p:nvCxnSpPr>
-        <p:spPr>
-          <a:xfrm rot="16200000" flipH="1">
-            <a:off x="3430123" y="3938021"/>
-            <a:ext cx="118421" cy="699979"/>
-          </a:xfrm>
-          <a:prstGeom prst="bentConnector2">
-            <a:avLst/>
-          </a:prstGeom>
-          <a:ln w="19050">
-            <a:solidFill>
-              <a:schemeClr val="accent3"/>
-            </a:solidFill>
-            <a:headEnd type="none" w="med" len="med"/>
-            <a:tailEnd type="arrow" w="med" len="med"/>
-          </a:ln>
-          <a:effectLst/>
-        </p:spPr>
-        <p:style>
-          <a:lnRef idx="1">
-            <a:schemeClr val="accent2"/>
-          </a:lnRef>
-          <a:fillRef idx="2">
-            <a:schemeClr val="accent2"/>
-          </a:fillRef>
-          <a:effectRef idx="1">
-            <a:schemeClr val="accent2"/>
-          </a:effectRef>
-          <a:fontRef idx="minor">
-            <a:schemeClr val="dk1"/>
-          </a:fontRef>
-        </p:style>
-      </p:cxnSp>
-      <p:cxnSp>
-        <p:nvCxnSpPr>
-          <p:cNvPr id="140" name="Elbow Connector 63"/>
-          <p:cNvCxnSpPr>
-            <a:stCxn id="16" idx="3"/>
-            <a:endCxn id="36" idx="3"/>
-          </p:cNvCxnSpPr>
-          <p:nvPr/>
-        </p:nvCxnSpPr>
-        <p:spPr>
-          <a:xfrm rot="5400000">
-            <a:off x="3695875" y="2276286"/>
-            <a:ext cx="1824381" cy="1843808"/>
-          </a:xfrm>
-          <a:prstGeom prst="bentConnector2">
-            <a:avLst/>
-          </a:prstGeom>
-          <a:ln w="6350">
-            <a:solidFill>
-              <a:schemeClr val="accent3"/>
-            </a:solidFill>
-            <a:headEnd type="none" w="med" len="med"/>
-            <a:tailEnd type="none" w="med" len="med"/>
-          </a:ln>
-          <a:effectLst/>
-        </p:spPr>
-        <p:style>
-          <a:lnRef idx="1">
-            <a:schemeClr val="accent2"/>
-          </a:lnRef>
-          <a:fillRef idx="2">
-            <a:schemeClr val="accent2"/>
-          </a:fillRef>
-          <a:effectRef idx="1">
-            <a:schemeClr val="accent2"/>
-          </a:effectRef>
-          <a:fontRef idx="minor">
-            <a:schemeClr val="dk1"/>
-          </a:fontRef>
-        </p:style>
-      </p:cxnSp>
-      <p:sp>
-        <p:nvSpPr>
-          <p:cNvPr id="143" name="Rectangle 142"/>
-          <p:cNvSpPr/>
-          <p:nvPr/>
-        </p:nvSpPr>
-        <p:spPr>
-          <a:xfrm>
-            <a:off x="5422048" y="2339335"/>
-            <a:ext cx="229325" cy="166560"/>
-          </a:xfrm>
-          <a:prstGeom prst="rect">
-            <a:avLst/>
-          </a:prstGeom>
-          <a:solidFill>
-            <a:schemeClr val="accent3">
-              <a:lumMod val="20000"/>
-              <a:lumOff val="80000"/>
-              <a:alpha val="80000"/>
-            </a:schemeClr>
-          </a:solidFill>
-          <a:ln>
-            <a:noFill/>
-          </a:ln>
-          <a:effectLst>
-            <a:softEdge rad="31750"/>
-          </a:effectLst>
-        </p:spPr>
-        <p:style>
-          <a:lnRef idx="2">
-            <a:schemeClr val="accent1">
-              <a:shade val="50000"/>
-            </a:schemeClr>
-          </a:lnRef>
-          <a:fillRef idx="1">
-            <a:schemeClr val="accent1"/>
-          </a:fillRef>
-          <a:effectRef idx="0">
-            <a:schemeClr val="accent1"/>
-          </a:effectRef>
-          <a:fontRef idx="minor">
-            <a:schemeClr val="lt1"/>
-          </a:fontRef>
-        </p:style>
-        <p:txBody>
-          <a:bodyPr rtlCol="0" anchor="ctr"/>
-          <a:lstStyle/>
-          <a:p>
-            <a:pPr algn="ctr"/>
-            <a:endParaRPr lang="en-SG"/>
-          </a:p>
-        </p:txBody>
-      </p:sp>
       <p:sp>
         <p:nvSpPr>
           <p:cNvPr id="116" name="Freeform 115"/>
@@ -5300,8 +4110,8 @@
         </p:nvSpPr>
         <p:spPr>
           <a:xfrm>
-            <a:off x="3186477" y="2405681"/>
-            <a:ext cx="3537529" cy="45719"/>
+            <a:off x="3186477" y="2054745"/>
+            <a:ext cx="1184497" cy="396656"/>
           </a:xfrm>
           <a:custGeom>
             <a:avLst/>
@@ -5346,141 +4156,6 @@
               <a:schemeClr val="accent3"/>
             </a:solidFill>
             <a:prstDash val="solid"/>
-            <a:headEnd type="none" w="med" len="med"/>
-            <a:tailEnd type="arrow" w="med" len="med"/>
-          </a:ln>
-          <a:effectLst/>
-        </p:spPr>
-        <p:style>
-          <a:lnRef idx="1">
-            <a:schemeClr val="accent2"/>
-          </a:lnRef>
-          <a:fillRef idx="2">
-            <a:schemeClr val="accent2"/>
-          </a:fillRef>
-          <a:effectRef idx="1">
-            <a:schemeClr val="accent2"/>
-          </a:effectRef>
-          <a:fontRef idx="minor">
-            <a:schemeClr val="dk1"/>
-          </a:fontRef>
-        </p:style>
-        <p:txBody>
-          <a:bodyPr rtlCol="0" anchor="ctr"/>
-          <a:lstStyle/>
-          <a:p>
-            <a:pPr algn="ctr"/>
-            <a:endParaRPr lang="en-SG"/>
-          </a:p>
-        </p:txBody>
-      </p:sp>
-      <p:sp>
-        <p:nvSpPr>
-          <p:cNvPr id="144" name="Rectangle 143"/>
-          <p:cNvSpPr/>
-          <p:nvPr/>
-        </p:nvSpPr>
-        <p:spPr>
-          <a:xfrm>
-            <a:off x="5431573" y="4488138"/>
-            <a:ext cx="229325" cy="160062"/>
-          </a:xfrm>
-          <a:prstGeom prst="rect">
-            <a:avLst/>
-          </a:prstGeom>
-          <a:solidFill>
-            <a:schemeClr val="accent3">
-              <a:lumMod val="20000"/>
-              <a:lumOff val="80000"/>
-              <a:alpha val="80000"/>
-            </a:schemeClr>
-          </a:solidFill>
-          <a:ln>
-            <a:noFill/>
-          </a:ln>
-          <a:effectLst>
-            <a:softEdge rad="31750"/>
-          </a:effectLst>
-        </p:spPr>
-        <p:style>
-          <a:lnRef idx="2">
-            <a:schemeClr val="accent1">
-              <a:shade val="50000"/>
-            </a:schemeClr>
-          </a:lnRef>
-          <a:fillRef idx="1">
-            <a:schemeClr val="accent1"/>
-          </a:fillRef>
-          <a:effectRef idx="0">
-            <a:schemeClr val="accent1"/>
-          </a:effectRef>
-          <a:fontRef idx="minor">
-            <a:schemeClr val="lt1"/>
-          </a:fontRef>
-        </p:style>
-        <p:txBody>
-          <a:bodyPr rtlCol="0" anchor="ctr"/>
-          <a:lstStyle/>
-          <a:p>
-            <a:pPr algn="ctr"/>
-            <a:endParaRPr lang="en-SG"/>
-          </a:p>
-        </p:txBody>
-      </p:sp>
-      <p:sp>
-        <p:nvSpPr>
-          <p:cNvPr id="118" name="Freeform 117"/>
-          <p:cNvSpPr/>
-          <p:nvPr/>
-        </p:nvSpPr>
-        <p:spPr>
-          <a:xfrm flipV="1">
-            <a:off x="4114799" y="4472708"/>
-            <a:ext cx="2642195" cy="101600"/>
-          </a:xfrm>
-          <a:custGeom>
-            <a:avLst/>
-            <a:gdLst>
-              <a:gd name="connsiteX0" fmla="*/ 0 w 3048000"/>
-              <a:gd name="connsiteY0" fmla="*/ 203200 h 203200"/>
-              <a:gd name="connsiteX1" fmla="*/ 221673 w 3048000"/>
-              <a:gd name="connsiteY1" fmla="*/ 0 h 203200"/>
-              <a:gd name="connsiteX2" fmla="*/ 3048000 w 3048000"/>
-              <a:gd name="connsiteY2" fmla="*/ 0 h 203200"/>
-            </a:gdLst>
-            <a:ahLst/>
-            <a:cxnLst>
-              <a:cxn ang="0">
-                <a:pos x="connsiteX0" y="connsiteY0"/>
-              </a:cxn>
-              <a:cxn ang="0">
-                <a:pos x="connsiteX1" y="connsiteY1"/>
-              </a:cxn>
-              <a:cxn ang="0">
-                <a:pos x="connsiteX2" y="connsiteY2"/>
-              </a:cxn>
-            </a:cxnLst>
-            <a:rect l="l" t="t" r="r" b="b"/>
-            <a:pathLst>
-              <a:path w="3048000" h="203200">
-                <a:moveTo>
-                  <a:pt x="0" y="203200"/>
-                </a:moveTo>
-                <a:lnTo>
-                  <a:pt x="221673" y="0"/>
-                </a:lnTo>
-                <a:lnTo>
-                  <a:pt x="3048000" y="0"/>
-                </a:lnTo>
-              </a:path>
-            </a:pathLst>
-          </a:custGeom>
-          <a:noFill/>
-          <a:ln w="19050">
-            <a:solidFill>
-              <a:schemeClr val="accent3"/>
-            </a:solidFill>
-            <a:prstDash val="sysDot"/>
             <a:headEnd type="none" w="med" len="med"/>
             <a:tailEnd type="arrow" w="med" len="med"/>
           </a:ln>

--- a/docs/diagrams/UiComponentClassDiagram.pptx
+++ b/docs/diagrams/UiComponentClassDiagram.pptx
@@ -208,7 +208,7 @@
           <a:p>
             <a:fld id="{F5CC4B3F-88C1-4FFA-B1B6-F41C21DC6924}" type="datetimeFigureOut">
               <a:rPr lang="en-US" smtClean="0"/>
-              <a:t>3/25/2019</a:t>
+              <a:t>3/27/2019</a:t>
             </a:fld>
             <a:endParaRPr lang="en-US"/>
           </a:p>
@@ -738,7 +738,7 @@
           <a:p>
             <a:fld id="{78C97017-6FC3-485B-9764-EAC9E56C1D49}" type="datetimeFigureOut">
               <a:rPr lang="en-US" smtClean="0"/>
-              <a:t>3/25/2019</a:t>
+              <a:t>3/27/2019</a:t>
             </a:fld>
             <a:endParaRPr lang="en-US"/>
           </a:p>
@@ -906,7 +906,7 @@
           <a:p>
             <a:fld id="{78C97017-6FC3-485B-9764-EAC9E56C1D49}" type="datetimeFigureOut">
               <a:rPr lang="en-US" smtClean="0"/>
-              <a:t>3/25/2019</a:t>
+              <a:t>3/27/2019</a:t>
             </a:fld>
             <a:endParaRPr lang="en-US"/>
           </a:p>
@@ -1084,7 +1084,7 @@
           <a:p>
             <a:fld id="{78C97017-6FC3-485B-9764-EAC9E56C1D49}" type="datetimeFigureOut">
               <a:rPr lang="en-US" smtClean="0"/>
-              <a:t>3/25/2019</a:t>
+              <a:t>3/27/2019</a:t>
             </a:fld>
             <a:endParaRPr lang="en-US"/>
           </a:p>
@@ -1252,7 +1252,7 @@
           <a:p>
             <a:fld id="{78C97017-6FC3-485B-9764-EAC9E56C1D49}" type="datetimeFigureOut">
               <a:rPr lang="en-US" smtClean="0"/>
-              <a:t>3/25/2019</a:t>
+              <a:t>3/27/2019</a:t>
             </a:fld>
             <a:endParaRPr lang="en-US"/>
           </a:p>
@@ -1497,7 +1497,7 @@
           <a:p>
             <a:fld id="{78C97017-6FC3-485B-9764-EAC9E56C1D49}" type="datetimeFigureOut">
               <a:rPr lang="en-US" smtClean="0"/>
-              <a:t>3/25/2019</a:t>
+              <a:t>3/27/2019</a:t>
             </a:fld>
             <a:endParaRPr lang="en-US"/>
           </a:p>
@@ -1782,7 +1782,7 @@
           <a:p>
             <a:fld id="{78C97017-6FC3-485B-9764-EAC9E56C1D49}" type="datetimeFigureOut">
               <a:rPr lang="en-US" smtClean="0"/>
-              <a:t>3/25/2019</a:t>
+              <a:t>3/27/2019</a:t>
             </a:fld>
             <a:endParaRPr lang="en-US"/>
           </a:p>
@@ -2201,7 +2201,7 @@
           <a:p>
             <a:fld id="{78C97017-6FC3-485B-9764-EAC9E56C1D49}" type="datetimeFigureOut">
               <a:rPr lang="en-US" smtClean="0"/>
-              <a:t>3/25/2019</a:t>
+              <a:t>3/27/2019</a:t>
             </a:fld>
             <a:endParaRPr lang="en-US"/>
           </a:p>
@@ -2318,7 +2318,7 @@
           <a:p>
             <a:fld id="{78C97017-6FC3-485B-9764-EAC9E56C1D49}" type="datetimeFigureOut">
               <a:rPr lang="en-US" smtClean="0"/>
-              <a:t>3/25/2019</a:t>
+              <a:t>3/27/2019</a:t>
             </a:fld>
             <a:endParaRPr lang="en-US"/>
           </a:p>
@@ -2413,7 +2413,7 @@
           <a:p>
             <a:fld id="{78C97017-6FC3-485B-9764-EAC9E56C1D49}" type="datetimeFigureOut">
               <a:rPr lang="en-US" smtClean="0"/>
-              <a:t>3/25/2019</a:t>
+              <a:t>3/27/2019</a:t>
             </a:fld>
             <a:endParaRPr lang="en-US"/>
           </a:p>
@@ -2688,7 +2688,7 @@
           <a:p>
             <a:fld id="{78C97017-6FC3-485B-9764-EAC9E56C1D49}" type="datetimeFigureOut">
               <a:rPr lang="en-US" smtClean="0"/>
-              <a:t>3/25/2019</a:t>
+              <a:t>3/27/2019</a:t>
             </a:fld>
             <a:endParaRPr lang="en-US"/>
           </a:p>
@@ -2940,7 +2940,7 @@
           <a:p>
             <a:fld id="{78C97017-6FC3-485B-9764-EAC9E56C1D49}" type="datetimeFigureOut">
               <a:rPr lang="en-US" smtClean="0"/>
-              <a:t>3/25/2019</a:t>
+              <a:t>3/27/2019</a:t>
             </a:fld>
             <a:endParaRPr lang="en-US"/>
           </a:p>
@@ -3151,7 +3151,7 @@
           <a:p>
             <a:fld id="{78C97017-6FC3-485B-9764-EAC9E56C1D49}" type="datetimeFigureOut">
               <a:rPr lang="en-US" smtClean="0"/>
-              <a:t>3/25/2019</a:t>
+              <a:t>3/27/2019</a:t>
             </a:fld>
             <a:endParaRPr lang="en-US"/>
           </a:p>
@@ -3535,7 +3535,7 @@
         <p:spPr>
           <a:xfrm>
             <a:off x="1752600" y="1447800"/>
-            <a:ext cx="2286000" cy="2286000"/>
+            <a:ext cx="1731314" cy="1447800"/>
           </a:xfrm>
           <a:prstGeom prst="roundRect">
             <a:avLst>
@@ -3637,66 +3637,6 @@
                 </a:solidFill>
               </a:rPr>
               <a:t>MainWindow</a:t>
-            </a:r>
-            <a:endParaRPr lang="en-SG" sz="1050" b="1" dirty="0">
-              <a:solidFill>
-                <a:schemeClr val="accent3">
-                  <a:lumMod val="75000"/>
-                </a:schemeClr>
-              </a:solidFill>
-            </a:endParaRPr>
-          </a:p>
-        </p:txBody>
-      </p:sp>
-      <p:sp>
-        <p:nvSpPr>
-          <p:cNvPr id="3" name="Rectangle 11"/>
-          <p:cNvSpPr/>
-          <p:nvPr/>
-        </p:nvSpPr>
-        <p:spPr>
-          <a:xfrm>
-            <a:off x="2592528" y="2971800"/>
-            <a:ext cx="1093635" cy="236841"/>
-          </a:xfrm>
-          <a:prstGeom prst="rect">
-            <a:avLst/>
-          </a:prstGeom>
-          <a:ln w="19050">
-            <a:solidFill>
-              <a:schemeClr val="accent3"/>
-            </a:solidFill>
-          </a:ln>
-          <a:effectLst/>
-        </p:spPr>
-        <p:style>
-          <a:lnRef idx="1">
-            <a:schemeClr val="accent3"/>
-          </a:lnRef>
-          <a:fillRef idx="2">
-            <a:schemeClr val="accent3"/>
-          </a:fillRef>
-          <a:effectRef idx="1">
-            <a:schemeClr val="accent3"/>
-          </a:effectRef>
-          <a:fontRef idx="minor">
-            <a:schemeClr val="dk1"/>
-          </a:fontRef>
-        </p:style>
-        <p:txBody>
-          <a:bodyPr rtlCol="0" anchor="ctr"/>
-          <a:lstStyle/>
-          <a:p>
-            <a:pPr algn="ctr"/>
-            <a:r>
-              <a:rPr lang="en-US" sz="1050" b="1" dirty="0" err="1">
-                <a:solidFill>
-                  <a:schemeClr val="accent3">
-                    <a:lumMod val="75000"/>
-                  </a:schemeClr>
-                </a:solidFill>
-              </a:rPr>
-              <a:t>CommandBox</a:t>
             </a:r>
             <a:endParaRPr lang="en-SG" sz="1050" b="1" dirty="0">
               <a:solidFill>
@@ -3771,6 +3711,7 @@
         <p:nvCxnSpPr>
           <p:cNvPr id="10" name="Elbow Connector 63"/>
           <p:cNvCxnSpPr>
+            <a:cxnSpLocks/>
             <a:stCxn id="9" idx="2"/>
             <a:endCxn id="2" idx="0"/>
           </p:cNvCxnSpPr>
@@ -3818,16 +3759,16 @@
         </p:nvSpPr>
         <p:spPr>
           <a:xfrm rot="16200000">
-            <a:off x="4013816" y="1780281"/>
-            <a:ext cx="1058097" cy="328045"/>
+            <a:off x="3571230" y="2023850"/>
+            <a:ext cx="833898" cy="328045"/>
           </a:xfrm>
           <a:prstGeom prst="roundRect">
             <a:avLst/>
           </a:prstGeom>
           <a:solidFill>
             <a:schemeClr val="accent1">
-              <a:lumMod val="20000"/>
-              <a:lumOff val="80000"/>
+              <a:lumMod val="40000"/>
+              <a:lumOff val="60000"/>
             </a:schemeClr>
           </a:solidFill>
           <a:ln w="19050">
@@ -3870,171 +3811,24 @@
           </a:p>
         </p:txBody>
       </p:sp>
-      <p:sp>
-        <p:nvSpPr>
-          <p:cNvPr id="39" name="Flowchart: Decision 38"/>
-          <p:cNvSpPr/>
-          <p:nvPr/>
-        </p:nvSpPr>
-        <p:spPr>
-          <a:xfrm>
-            <a:off x="2324548" y="2706452"/>
-            <a:ext cx="183156" cy="161573"/>
-          </a:xfrm>
-          <a:prstGeom prst="flowChartDecision">
-            <a:avLst/>
-          </a:prstGeom>
-          <a:solidFill>
-            <a:schemeClr val="accent3"/>
-          </a:solidFill>
-          <a:ln>
-            <a:solidFill>
-              <a:schemeClr val="accent3"/>
-            </a:solidFill>
-          </a:ln>
-        </p:spPr>
-        <p:style>
-          <a:lnRef idx="2">
-            <a:schemeClr val="accent1">
-              <a:shade val="50000"/>
-            </a:schemeClr>
-          </a:lnRef>
-          <a:fillRef idx="1">
-            <a:schemeClr val="accent1"/>
-          </a:fillRef>
-          <a:effectRef idx="0">
-            <a:schemeClr val="accent1"/>
-          </a:effectRef>
-          <a:fontRef idx="minor">
-            <a:schemeClr val="lt1"/>
-          </a:fontRef>
-        </p:style>
-        <p:txBody>
-          <a:bodyPr rtlCol="0" anchor="ctr"/>
-          <a:lstStyle/>
-          <a:p>
-            <a:pPr algn="ctr"/>
-            <a:endParaRPr lang="en-SG"/>
-          </a:p>
-        </p:txBody>
-      </p:sp>
-      <p:cxnSp>
-        <p:nvCxnSpPr>
-          <p:cNvPr id="40" name="Elbow Connector 63"/>
-          <p:cNvCxnSpPr>
-            <a:stCxn id="39" idx="2"/>
-            <a:endCxn id="3" idx="1"/>
-          </p:cNvCxnSpPr>
-          <p:nvPr/>
-        </p:nvCxnSpPr>
-        <p:spPr>
-          <a:xfrm rot="16200000" flipH="1">
-            <a:off x="2393229" y="2890922"/>
-            <a:ext cx="222196" cy="176402"/>
-          </a:xfrm>
-          <a:prstGeom prst="bentConnector2">
-            <a:avLst/>
-          </a:prstGeom>
-          <a:ln w="19050">
-            <a:solidFill>
-              <a:schemeClr val="accent3"/>
-            </a:solidFill>
-            <a:headEnd type="none" w="med" len="med"/>
-            <a:tailEnd type="arrow" w="med" len="med"/>
-          </a:ln>
-          <a:effectLst/>
-        </p:spPr>
-        <p:style>
-          <a:lnRef idx="1">
-            <a:schemeClr val="accent2"/>
-          </a:lnRef>
-          <a:fillRef idx="2">
-            <a:schemeClr val="accent2"/>
-          </a:fillRef>
-          <a:effectRef idx="1">
-            <a:schemeClr val="accent2"/>
-          </a:effectRef>
-          <a:fontRef idx="minor">
-            <a:schemeClr val="dk1"/>
-          </a:fontRef>
-        </p:style>
-      </p:cxnSp>
-      <p:sp>
-        <p:nvSpPr>
-          <p:cNvPr id="43" name="Rectangle 11"/>
-          <p:cNvSpPr/>
-          <p:nvPr/>
-        </p:nvSpPr>
-        <p:spPr>
-          <a:xfrm>
-            <a:off x="2590799" y="3304308"/>
-            <a:ext cx="1095361" cy="236841"/>
-          </a:xfrm>
-          <a:prstGeom prst="rect">
-            <a:avLst/>
-          </a:prstGeom>
-          <a:ln w="19050">
-            <a:solidFill>
-              <a:schemeClr val="accent3"/>
-            </a:solidFill>
-          </a:ln>
-          <a:effectLst/>
-        </p:spPr>
-        <p:style>
-          <a:lnRef idx="1">
-            <a:schemeClr val="accent3"/>
-          </a:lnRef>
-          <a:fillRef idx="2">
-            <a:schemeClr val="accent3"/>
-          </a:fillRef>
-          <a:effectRef idx="1">
-            <a:schemeClr val="accent3"/>
-          </a:effectRef>
-          <a:fontRef idx="minor">
-            <a:schemeClr val="dk1"/>
-          </a:fontRef>
-        </p:style>
-        <p:txBody>
-          <a:bodyPr rtlCol="0" anchor="ctr"/>
-          <a:lstStyle/>
-          <a:p>
-            <a:pPr algn="ctr"/>
-            <a:r>
-              <a:rPr lang="en-US" sz="1050" b="1" dirty="0" err="1">
-                <a:solidFill>
-                  <a:schemeClr val="accent3">
-                    <a:lumMod val="75000"/>
-                  </a:schemeClr>
-                </a:solidFill>
-              </a:rPr>
-              <a:t>ResultDisplay</a:t>
-            </a:r>
-            <a:endParaRPr lang="en-SG" sz="1050" b="1" dirty="0">
-              <a:solidFill>
-                <a:schemeClr val="accent3">
-                  <a:lumMod val="75000"/>
-                </a:schemeClr>
-              </a:solidFill>
-            </a:endParaRPr>
-          </a:p>
-        </p:txBody>
-      </p:sp>
       <p:cxnSp>
         <p:nvCxnSpPr>
           <p:cNvPr id="107" name="Elbow Connector 106"/>
           <p:cNvCxnSpPr>
             <a:cxnSpLocks/>
-            <a:stCxn id="9" idx="0"/>
+            <a:stCxn id="9" idx="3"/>
           </p:cNvCxnSpPr>
           <p:nvPr/>
         </p:nvCxnSpPr>
         <p:spPr>
-          <a:xfrm rot="5400000" flipH="1" flipV="1">
-            <a:off x="3425286" y="825236"/>
-            <a:ext cx="160062" cy="1731314"/>
+          <a:xfrm>
+            <a:off x="3186477" y="1944304"/>
+            <a:ext cx="637681" cy="18675"/>
           </a:xfrm>
-          <a:prstGeom prst="bentConnector2">
-            <a:avLst/>
+          <a:prstGeom prst="bentConnector3">
+            <a:avLst>
+              <a:gd name="adj1" fmla="val 336"/>
+            </a:avLst>
           </a:prstGeom>
           <a:ln w="19050">
             <a:solidFill>
@@ -4063,97 +3857,32 @@
       </p:cxnSp>
       <p:cxnSp>
         <p:nvCxnSpPr>
-          <p:cNvPr id="131" name="Elbow Connector 130"/>
+          <p:cNvPr id="17" name="Elbow Connector 106">
+            <a:extLst>
+              <a:ext uri="{FF2B5EF4-FFF2-40B4-BE49-F238E27FC236}">
+                <a16:creationId xmlns:a16="http://schemas.microsoft.com/office/drawing/2014/main" id="{5CDA83B6-8324-4EE0-BE81-B27B288BE169}"/>
+              </a:ext>
+            </a:extLst>
+          </p:cNvPr>
           <p:cNvCxnSpPr>
-            <a:stCxn id="39" idx="2"/>
-            <a:endCxn id="43" idx="1"/>
+            <a:cxnSpLocks/>
+            <a:stCxn id="2" idx="3"/>
           </p:cNvCxnSpPr>
           <p:nvPr/>
         </p:nvCxnSpPr>
         <p:spPr>
-          <a:xfrm rot="16200000" flipH="1">
-            <a:off x="2226110" y="3058040"/>
-            <a:ext cx="554704" cy="174673"/>
+          <a:xfrm flipV="1">
+            <a:off x="3189583" y="2250672"/>
+            <a:ext cx="634575" cy="263928"/>
           </a:xfrm>
-          <a:prstGeom prst="bentConnector2">
-            <a:avLst/>
+          <a:prstGeom prst="bentConnector3">
+            <a:avLst>
+              <a:gd name="adj1" fmla="val 50000"/>
+            </a:avLst>
           </a:prstGeom>
           <a:ln w="19050">
             <a:solidFill>
-              <a:schemeClr val="accent3"/>
-            </a:solidFill>
-            <a:headEnd type="none" w="med" len="med"/>
-            <a:tailEnd type="arrow" w="med" len="med"/>
-          </a:ln>
-          <a:effectLst/>
-        </p:spPr>
-        <p:style>
-          <a:lnRef idx="1">
-            <a:schemeClr val="accent2"/>
-          </a:lnRef>
-          <a:fillRef idx="2">
-            <a:schemeClr val="accent2"/>
-          </a:fillRef>
-          <a:effectRef idx="1">
-            <a:schemeClr val="accent2"/>
-          </a:effectRef>
-          <a:fontRef idx="minor">
-            <a:schemeClr val="dk1"/>
-          </a:fontRef>
-        </p:style>
-      </p:cxnSp>
-      <p:sp>
-        <p:nvSpPr>
-          <p:cNvPr id="116" name="Freeform 115"/>
-          <p:cNvSpPr/>
-          <p:nvPr/>
-        </p:nvSpPr>
-        <p:spPr>
-          <a:xfrm>
-            <a:off x="3186477" y="2054745"/>
-            <a:ext cx="1184497" cy="396656"/>
-          </a:xfrm>
-          <a:custGeom>
-            <a:avLst/>
-            <a:gdLst>
-              <a:gd name="connsiteX0" fmla="*/ 0 w 3048000"/>
-              <a:gd name="connsiteY0" fmla="*/ 203200 h 203200"/>
-              <a:gd name="connsiteX1" fmla="*/ 221673 w 3048000"/>
-              <a:gd name="connsiteY1" fmla="*/ 0 h 203200"/>
-              <a:gd name="connsiteX2" fmla="*/ 3048000 w 3048000"/>
-              <a:gd name="connsiteY2" fmla="*/ 0 h 203200"/>
-            </a:gdLst>
-            <a:ahLst/>
-            <a:cxnLst>
-              <a:cxn ang="0">
-                <a:pos x="connsiteX0" y="connsiteY0"/>
-              </a:cxn>
-              <a:cxn ang="0">
-                <a:pos x="connsiteX1" y="connsiteY1"/>
-              </a:cxn>
-              <a:cxn ang="0">
-                <a:pos x="connsiteX2" y="connsiteY2"/>
-              </a:cxn>
-            </a:cxnLst>
-            <a:rect l="l" t="t" r="r" b="b"/>
-            <a:pathLst>
-              <a:path w="3048000" h="203200">
-                <a:moveTo>
-                  <a:pt x="0" y="203200"/>
-                </a:moveTo>
-                <a:lnTo>
-                  <a:pt x="221673" y="0"/>
-                </a:lnTo>
-                <a:lnTo>
-                  <a:pt x="3048000" y="0"/>
-                </a:lnTo>
-              </a:path>
-            </a:pathLst>
-          </a:custGeom>
-          <a:noFill/>
-          <a:ln w="19050">
-            <a:solidFill>
-              <a:schemeClr val="accent3"/>
+              <a:srgbClr val="00B050"/>
             </a:solidFill>
             <a:prstDash val="solid"/>
             <a:headEnd type="none" w="med" len="med"/>
@@ -4175,12 +3904,70 @@
             <a:schemeClr val="dk1"/>
           </a:fontRef>
         </p:style>
+      </p:cxnSp>
+      <p:sp>
+        <p:nvSpPr>
+          <p:cNvPr id="21" name="Rectangle 65">
+            <a:extLst>
+              <a:ext uri="{FF2B5EF4-FFF2-40B4-BE49-F238E27FC236}">
+                <a16:creationId xmlns:a16="http://schemas.microsoft.com/office/drawing/2014/main" id="{02DF521E-7E36-4825-A42A-868FD34A265B}"/>
+              </a:ext>
+            </a:extLst>
+          </p:cNvPr>
+          <p:cNvSpPr/>
+          <p:nvPr/>
+        </p:nvSpPr>
+        <p:spPr>
+          <a:xfrm rot="16200000">
+            <a:off x="4282904" y="2025779"/>
+            <a:ext cx="830039" cy="328045"/>
+          </a:xfrm>
+          <a:prstGeom prst="roundRect">
+            <a:avLst/>
+          </a:prstGeom>
+          <a:solidFill>
+            <a:schemeClr val="accent4">
+              <a:lumMod val="40000"/>
+              <a:lumOff val="60000"/>
+            </a:schemeClr>
+          </a:solidFill>
+          <a:ln w="19050">
+            <a:noFill/>
+          </a:ln>
+          <a:effectLst/>
+        </p:spPr>
+        <p:style>
+          <a:lnRef idx="1">
+            <a:schemeClr val="accent2"/>
+          </a:lnRef>
+          <a:fillRef idx="2">
+            <a:schemeClr val="accent2"/>
+          </a:fillRef>
+          <a:effectRef idx="1">
+            <a:schemeClr val="accent2"/>
+          </a:effectRef>
+          <a:fontRef idx="minor">
+            <a:schemeClr val="dk1"/>
+          </a:fontRef>
+        </p:style>
         <p:txBody>
           <a:bodyPr rtlCol="0" anchor="ctr"/>
           <a:lstStyle/>
           <a:p>
             <a:pPr algn="ctr"/>
-            <a:endParaRPr lang="en-SG"/>
+            <a:r>
+              <a:rPr lang="en-US" sz="1100" b="1" dirty="0">
+                <a:solidFill>
+                  <a:schemeClr val="bg1"/>
+                </a:solidFill>
+              </a:rPr>
+              <a:t>Data</a:t>
+            </a:r>
+            <a:endParaRPr lang="en-SG" sz="1100" b="1" dirty="0">
+              <a:solidFill>
+                <a:schemeClr val="bg1"/>
+              </a:solidFill>
+            </a:endParaRPr>
           </a:p>
         </p:txBody>
       </p:sp>

--- a/docs/diagrams/UiComponentClassDiagram.pptx
+++ b/docs/diagrams/UiComponentClassDiagram.pptx
@@ -208,7 +208,7 @@
           <a:p>
             <a:fld id="{F5CC4B3F-88C1-4FFA-B1B6-F41C21DC6924}" type="datetimeFigureOut">
               <a:rPr lang="en-US" smtClean="0"/>
-              <a:t>12/15/2018</a:t>
+              <a:t>3/27/2019</a:t>
             </a:fld>
             <a:endParaRPr lang="en-US"/>
           </a:p>
@@ -475,6 +475,90 @@
 </p:notesMaster>
 </file>
 
+<file path=ppt/notesSlides/notesSlide1.xml><?xml version="1.0" encoding="utf-8"?>
+<p:notes xmlns:a="http://schemas.openxmlformats.org/drawingml/2006/main" xmlns:r="http://schemas.openxmlformats.org/officeDocument/2006/relationships" xmlns:p="http://schemas.openxmlformats.org/presentationml/2006/main">
+  <p:cSld>
+    <p:spTree>
+      <p:nvGrpSpPr>
+        <p:cNvPr id="1" name=""/>
+        <p:cNvGrpSpPr/>
+        <p:nvPr/>
+      </p:nvGrpSpPr>
+      <p:grpSpPr>
+        <a:xfrm>
+          <a:off x="0" y="0"/>
+          <a:ext cx="0" cy="0"/>
+          <a:chOff x="0" y="0"/>
+          <a:chExt cx="0" cy="0"/>
+        </a:xfrm>
+      </p:grpSpPr>
+      <p:sp>
+        <p:nvSpPr>
+          <p:cNvPr id="2" name="Slide Image Placeholder 1"/>
+          <p:cNvSpPr>
+            <a:spLocks noGrp="1" noRot="1" noChangeAspect="1"/>
+          </p:cNvSpPr>
+          <p:nvPr>
+            <p:ph type="sldImg"/>
+          </p:nvPr>
+        </p:nvSpPr>
+        <p:spPr/>
+      </p:sp>
+      <p:sp>
+        <p:nvSpPr>
+          <p:cNvPr id="3" name="Notes Placeholder 2"/>
+          <p:cNvSpPr>
+            <a:spLocks noGrp="1"/>
+          </p:cNvSpPr>
+          <p:nvPr>
+            <p:ph type="body" idx="1"/>
+          </p:nvPr>
+        </p:nvSpPr>
+        <p:spPr/>
+        <p:txBody>
+          <a:bodyPr/>
+          <a:lstStyle/>
+          <a:p>
+            <a:endParaRPr lang="en-SG" dirty="0"/>
+          </a:p>
+        </p:txBody>
+      </p:sp>
+      <p:sp>
+        <p:nvSpPr>
+          <p:cNvPr id="4" name="Slide Number Placeholder 3"/>
+          <p:cNvSpPr>
+            <a:spLocks noGrp="1"/>
+          </p:cNvSpPr>
+          <p:nvPr>
+            <p:ph type="sldNum" sz="quarter" idx="5"/>
+          </p:nvPr>
+        </p:nvSpPr>
+        <p:spPr/>
+        <p:txBody>
+          <a:bodyPr/>
+          <a:lstStyle/>
+          <a:p>
+            <a:fld id="{5A7AB025-77E3-4BD1-A2FD-B3183DBA47A3}" type="slidenum">
+              <a:rPr lang="en-US" smtClean="0"/>
+              <a:t>1</a:t>
+            </a:fld>
+            <a:endParaRPr lang="en-US"/>
+          </a:p>
+        </p:txBody>
+      </p:sp>
+    </p:spTree>
+    <p:extLst>
+      <p:ext uri="{BB962C8B-B14F-4D97-AF65-F5344CB8AC3E}">
+        <p14:creationId xmlns:p14="http://schemas.microsoft.com/office/powerpoint/2010/main" val="1299918104"/>
+      </p:ext>
+    </p:extLst>
+  </p:cSld>
+  <p:clrMapOvr>
+    <a:masterClrMapping/>
+  </p:clrMapOvr>
+</p:notes>
+</file>
+
 <file path=ppt/slideLayouts/slideLayout1.xml><?xml version="1.0" encoding="utf-8"?>
 <p:sldLayout xmlns:a="http://schemas.openxmlformats.org/drawingml/2006/main" xmlns:r="http://schemas.openxmlformats.org/officeDocument/2006/relationships" xmlns:p="http://schemas.openxmlformats.org/presentationml/2006/main" type="title" preserve="1">
   <p:cSld name="Title Slide">
@@ -654,7 +738,7 @@
           <a:p>
             <a:fld id="{78C97017-6FC3-485B-9764-EAC9E56C1D49}" type="datetimeFigureOut">
               <a:rPr lang="en-US" smtClean="0"/>
-              <a:t>12/15/2018</a:t>
+              <a:t>3/27/2019</a:t>
             </a:fld>
             <a:endParaRPr lang="en-US"/>
           </a:p>
@@ -822,7 +906,7 @@
           <a:p>
             <a:fld id="{78C97017-6FC3-485B-9764-EAC9E56C1D49}" type="datetimeFigureOut">
               <a:rPr lang="en-US" smtClean="0"/>
-              <a:t>12/15/2018</a:t>
+              <a:t>3/27/2019</a:t>
             </a:fld>
             <a:endParaRPr lang="en-US"/>
           </a:p>
@@ -1000,7 +1084,7 @@
           <a:p>
             <a:fld id="{78C97017-6FC3-485B-9764-EAC9E56C1D49}" type="datetimeFigureOut">
               <a:rPr lang="en-US" smtClean="0"/>
-              <a:t>12/15/2018</a:t>
+              <a:t>3/27/2019</a:t>
             </a:fld>
             <a:endParaRPr lang="en-US"/>
           </a:p>
@@ -1168,7 +1252,7 @@
           <a:p>
             <a:fld id="{78C97017-6FC3-485B-9764-EAC9E56C1D49}" type="datetimeFigureOut">
               <a:rPr lang="en-US" smtClean="0"/>
-              <a:t>12/15/2018</a:t>
+              <a:t>3/27/2019</a:t>
             </a:fld>
             <a:endParaRPr lang="en-US"/>
           </a:p>
@@ -1413,7 +1497,7 @@
           <a:p>
             <a:fld id="{78C97017-6FC3-485B-9764-EAC9E56C1D49}" type="datetimeFigureOut">
               <a:rPr lang="en-US" smtClean="0"/>
-              <a:t>12/15/2018</a:t>
+              <a:t>3/27/2019</a:t>
             </a:fld>
             <a:endParaRPr lang="en-US"/>
           </a:p>
@@ -1698,7 +1782,7 @@
           <a:p>
             <a:fld id="{78C97017-6FC3-485B-9764-EAC9E56C1D49}" type="datetimeFigureOut">
               <a:rPr lang="en-US" smtClean="0"/>
-              <a:t>12/15/2018</a:t>
+              <a:t>3/27/2019</a:t>
             </a:fld>
             <a:endParaRPr lang="en-US"/>
           </a:p>
@@ -2117,7 +2201,7 @@
           <a:p>
             <a:fld id="{78C97017-6FC3-485B-9764-EAC9E56C1D49}" type="datetimeFigureOut">
               <a:rPr lang="en-US" smtClean="0"/>
-              <a:t>12/15/2018</a:t>
+              <a:t>3/27/2019</a:t>
             </a:fld>
             <a:endParaRPr lang="en-US"/>
           </a:p>
@@ -2234,7 +2318,7 @@
           <a:p>
             <a:fld id="{78C97017-6FC3-485B-9764-EAC9E56C1D49}" type="datetimeFigureOut">
               <a:rPr lang="en-US" smtClean="0"/>
-              <a:t>12/15/2018</a:t>
+              <a:t>3/27/2019</a:t>
             </a:fld>
             <a:endParaRPr lang="en-US"/>
           </a:p>
@@ -2329,7 +2413,7 @@
           <a:p>
             <a:fld id="{78C97017-6FC3-485B-9764-EAC9E56C1D49}" type="datetimeFigureOut">
               <a:rPr lang="en-US" smtClean="0"/>
-              <a:t>12/15/2018</a:t>
+              <a:t>3/27/2019</a:t>
             </a:fld>
             <a:endParaRPr lang="en-US"/>
           </a:p>
@@ -2604,7 +2688,7 @@
           <a:p>
             <a:fld id="{78C97017-6FC3-485B-9764-EAC9E56C1D49}" type="datetimeFigureOut">
               <a:rPr lang="en-US" smtClean="0"/>
-              <a:t>12/15/2018</a:t>
+              <a:t>3/27/2019</a:t>
             </a:fld>
             <a:endParaRPr lang="en-US"/>
           </a:p>
@@ -2856,7 +2940,7 @@
           <a:p>
             <a:fld id="{78C97017-6FC3-485B-9764-EAC9E56C1D49}" type="datetimeFigureOut">
               <a:rPr lang="en-US" smtClean="0"/>
-              <a:t>12/15/2018</a:t>
+              <a:t>3/27/2019</a:t>
             </a:fld>
             <a:endParaRPr lang="en-US"/>
           </a:p>
@@ -3067,7 +3151,7 @@
           <a:p>
             <a:fld id="{78C97017-6FC3-485B-9764-EAC9E56C1D49}" type="datetimeFigureOut">
               <a:rPr lang="en-US" smtClean="0"/>
-              <a:t>12/15/2018</a:t>
+              <a:t>3/27/2019</a:t>
             </a:fld>
             <a:endParaRPr lang="en-US"/>
           </a:p>
@@ -3450,8 +3534,8 @@
         </p:nvSpPr>
         <p:spPr>
           <a:xfrm>
-            <a:off x="1217465" y="1447800"/>
-            <a:ext cx="4917083" cy="3962400"/>
+            <a:off x="1752600" y="1447800"/>
+            <a:ext cx="1731314" cy="1447800"/>
           </a:xfrm>
           <a:prstGeom prst="roundRect">
             <a:avLst>
@@ -3553,66 +3637,6 @@
                 </a:solidFill>
               </a:rPr>
               <a:t>MainWindow</a:t>
-            </a:r>
-            <a:endParaRPr lang="en-SG" sz="1050" b="1" dirty="0">
-              <a:solidFill>
-                <a:schemeClr val="accent3">
-                  <a:lumMod val="75000"/>
-                </a:schemeClr>
-              </a:solidFill>
-            </a:endParaRPr>
-          </a:p>
-        </p:txBody>
-      </p:sp>
-      <p:sp>
-        <p:nvSpPr>
-          <p:cNvPr id="3" name="Rectangle 11"/>
-          <p:cNvSpPr/>
-          <p:nvPr/>
-        </p:nvSpPr>
-        <p:spPr>
-          <a:xfrm>
-            <a:off x="2592528" y="2971800"/>
-            <a:ext cx="1093635" cy="236841"/>
-          </a:xfrm>
-          <a:prstGeom prst="rect">
-            <a:avLst/>
-          </a:prstGeom>
-          <a:ln w="19050">
-            <a:solidFill>
-              <a:schemeClr val="accent3"/>
-            </a:solidFill>
-          </a:ln>
-          <a:effectLst/>
-        </p:spPr>
-        <p:style>
-          <a:lnRef idx="1">
-            <a:schemeClr val="accent3"/>
-          </a:lnRef>
-          <a:fillRef idx="2">
-            <a:schemeClr val="accent3"/>
-          </a:fillRef>
-          <a:effectRef idx="1">
-            <a:schemeClr val="accent3"/>
-          </a:effectRef>
-          <a:fontRef idx="minor">
-            <a:schemeClr val="dk1"/>
-          </a:fontRef>
-        </p:style>
-        <p:txBody>
-          <a:bodyPr rtlCol="0" anchor="ctr"/>
-          <a:lstStyle/>
-          <a:p>
-            <a:pPr algn="ctr"/>
-            <a:r>
-              <a:rPr lang="en-US" sz="1050" b="1" dirty="0" err="1">
-                <a:solidFill>
-                  <a:schemeClr val="accent3">
-                    <a:lumMod val="75000"/>
-                  </a:schemeClr>
-                </a:solidFill>
-              </a:rPr>
-              <a:t>CommandBox</a:t>
             </a:r>
             <a:endParaRPr lang="en-SG" sz="1050" b="1" dirty="0">
               <a:solidFill>
@@ -3673,7 +3697,7 @@
                   <a:schemeClr val="bg1"/>
                 </a:solidFill>
               </a:rPr>
-              <a:t>UiManager</a:t>
+              <a:t>Gui</a:t>
             </a:r>
             <a:endParaRPr lang="en-SG" sz="1050" dirty="0">
               <a:solidFill>
@@ -3687,6 +3711,7 @@
         <p:nvCxnSpPr>
           <p:cNvPr id="10" name="Elbow Connector 63"/>
           <p:cNvCxnSpPr>
+            <a:cxnSpLocks/>
             <a:stCxn id="9" idx="2"/>
             <a:endCxn id="2" idx="0"/>
           </p:cNvCxnSpPr>
@@ -3728,113 +3753,22 @@
       </p:cxnSp>
       <p:sp>
         <p:nvSpPr>
-          <p:cNvPr id="16" name="Isosceles Triangle 102"/>
-          <p:cNvSpPr/>
-          <p:nvPr/>
-        </p:nvSpPr>
-        <p:spPr>
-          <a:xfrm rot="10800000" flipV="1">
-            <a:off x="5394717" y="2110477"/>
-            <a:ext cx="270504" cy="175523"/>
-          </a:xfrm>
-          <a:prstGeom prst="triangle">
-            <a:avLst/>
-          </a:prstGeom>
-          <a:ln w="6350">
-            <a:solidFill>
-              <a:schemeClr val="accent3"/>
-            </a:solidFill>
-          </a:ln>
-          <a:effectLst/>
-        </p:spPr>
-        <p:style>
-          <a:lnRef idx="1">
-            <a:schemeClr val="accent3"/>
-          </a:lnRef>
-          <a:fillRef idx="2">
-            <a:schemeClr val="accent3"/>
-          </a:fillRef>
-          <a:effectRef idx="1">
-            <a:schemeClr val="accent3"/>
-          </a:effectRef>
-          <a:fontRef idx="minor">
-            <a:schemeClr val="dk1"/>
-          </a:fontRef>
-        </p:style>
-        <p:txBody>
-          <a:bodyPr rtlCol="0" anchor="ctr"/>
-          <a:lstStyle/>
-          <a:p>
-            <a:pPr algn="ctr"/>
-            <a:endParaRPr lang="en-SG" sz="1050" b="1">
-              <a:solidFill>
-                <a:srgbClr val="92D050"/>
-              </a:solidFill>
-            </a:endParaRPr>
-          </a:p>
-        </p:txBody>
-      </p:sp>
-      <p:cxnSp>
-        <p:nvCxnSpPr>
-          <p:cNvPr id="19" name="Elbow Connector 122"/>
-          <p:cNvCxnSpPr/>
-          <p:nvPr/>
-        </p:nvCxnSpPr>
-        <p:spPr>
-          <a:xfrm flipV="1">
-            <a:off x="644735" y="2991937"/>
-            <a:ext cx="684904" cy="1"/>
-          </a:xfrm>
-          <a:prstGeom prst="bentConnector3">
-            <a:avLst>
-              <a:gd name="adj1" fmla="val 50000"/>
-            </a:avLst>
-          </a:prstGeom>
-          <a:ln w="19050">
-            <a:solidFill>
-              <a:schemeClr val="bg1">
-                <a:lumMod val="75000"/>
-              </a:schemeClr>
-            </a:solidFill>
-            <a:prstDash val="sysDot"/>
-            <a:headEnd type="none" w="med" len="med"/>
-            <a:tailEnd type="arrow" w="med" len="med"/>
-          </a:ln>
-          <a:effectLst/>
-        </p:spPr>
-        <p:style>
-          <a:lnRef idx="1">
-            <a:schemeClr val="accent2"/>
-          </a:lnRef>
-          <a:fillRef idx="2">
-            <a:schemeClr val="accent2"/>
-          </a:fillRef>
-          <a:effectRef idx="1">
-            <a:schemeClr val="accent2"/>
-          </a:effectRef>
-          <a:fontRef idx="minor">
-            <a:schemeClr val="dk1"/>
-          </a:fontRef>
-        </p:style>
-      </p:cxnSp>
-      <p:sp>
-        <p:nvSpPr>
           <p:cNvPr id="22" name="Rectangle 65"/>
           <p:cNvSpPr/>
           <p:nvPr/>
         </p:nvSpPr>
         <p:spPr>
           <a:xfrm rot="16200000">
-            <a:off x="5703829" y="2464877"/>
-            <a:ext cx="2362201" cy="328045"/>
+            <a:off x="3571230" y="2023850"/>
+            <a:ext cx="833898" cy="328045"/>
           </a:xfrm>
           <a:prstGeom prst="roundRect">
             <a:avLst/>
           </a:prstGeom>
           <a:solidFill>
             <a:schemeClr val="accent1">
-              <a:lumMod val="20000"/>
-              <a:lumOff val="80000"/>
+              <a:lumMod val="40000"/>
+              <a:lumOff val="60000"/>
             </a:schemeClr>
           </a:solidFill>
           <a:ln w="19050">
@@ -3877,958 +3811,24 @@
           </a:p>
         </p:txBody>
       </p:sp>
-      <p:sp>
-        <p:nvSpPr>
-          <p:cNvPr id="34" name="Rectangle 11"/>
-          <p:cNvSpPr/>
-          <p:nvPr/>
-        </p:nvSpPr>
-        <p:spPr>
-          <a:xfrm>
-            <a:off x="2592528" y="3649359"/>
-            <a:ext cx="1093635" cy="236841"/>
-          </a:xfrm>
-          <a:prstGeom prst="rect">
-            <a:avLst/>
-          </a:prstGeom>
-          <a:ln w="19050">
-            <a:solidFill>
-              <a:schemeClr val="accent3"/>
-            </a:solidFill>
-          </a:ln>
-          <a:effectLst/>
-        </p:spPr>
-        <p:style>
-          <a:lnRef idx="1">
-            <a:schemeClr val="accent3"/>
-          </a:lnRef>
-          <a:fillRef idx="2">
-            <a:schemeClr val="accent3"/>
-          </a:fillRef>
-          <a:effectRef idx="1">
-            <a:schemeClr val="accent3"/>
-          </a:effectRef>
-          <a:fontRef idx="minor">
-            <a:schemeClr val="dk1"/>
-          </a:fontRef>
-        </p:style>
-        <p:txBody>
-          <a:bodyPr rtlCol="0" anchor="ctr"/>
-          <a:lstStyle/>
-          <a:p>
-            <a:pPr algn="ctr"/>
-            <a:r>
-              <a:rPr lang="en-US" sz="1050" b="1" dirty="0" err="1">
-                <a:solidFill>
-                  <a:schemeClr val="accent3">
-                    <a:lumMod val="75000"/>
-                  </a:schemeClr>
-                </a:solidFill>
-              </a:rPr>
-              <a:t>BrowserPanel</a:t>
-            </a:r>
-            <a:endParaRPr lang="en-SG" sz="1050" b="1" dirty="0">
-              <a:solidFill>
-                <a:schemeClr val="accent3">
-                  <a:lumMod val="75000"/>
-                </a:schemeClr>
-              </a:solidFill>
-            </a:endParaRPr>
-          </a:p>
-        </p:txBody>
-      </p:sp>
-      <p:sp>
-        <p:nvSpPr>
-          <p:cNvPr id="35" name="Rectangle 11"/>
-          <p:cNvSpPr/>
-          <p:nvPr/>
-        </p:nvSpPr>
-        <p:spPr>
-          <a:xfrm>
-            <a:off x="2592527" y="4563759"/>
-            <a:ext cx="1093635" cy="236841"/>
-          </a:xfrm>
-          <a:prstGeom prst="rect">
-            <a:avLst/>
-          </a:prstGeom>
-          <a:ln w="19050">
-            <a:solidFill>
-              <a:schemeClr val="accent3"/>
-            </a:solidFill>
-          </a:ln>
-          <a:effectLst/>
-        </p:spPr>
-        <p:style>
-          <a:lnRef idx="1">
-            <a:schemeClr val="accent3"/>
-          </a:lnRef>
-          <a:fillRef idx="2">
-            <a:schemeClr val="accent3"/>
-          </a:fillRef>
-          <a:effectRef idx="1">
-            <a:schemeClr val="accent3"/>
-          </a:effectRef>
-          <a:fontRef idx="minor">
-            <a:schemeClr val="dk1"/>
-          </a:fontRef>
-        </p:style>
-        <p:txBody>
-          <a:bodyPr rtlCol="0" anchor="ctr"/>
-          <a:lstStyle/>
-          <a:p>
-            <a:pPr algn="ctr"/>
-            <a:r>
-              <a:rPr lang="en-US" sz="1050" b="1" dirty="0" err="1">
-                <a:solidFill>
-                  <a:schemeClr val="accent3">
-                    <a:lumMod val="75000"/>
-                  </a:schemeClr>
-                </a:solidFill>
-              </a:rPr>
-              <a:t>StatusBarFooter</a:t>
-            </a:r>
-            <a:endParaRPr lang="en-SG" sz="1050" b="1" dirty="0">
-              <a:solidFill>
-                <a:schemeClr val="accent3">
-                  <a:lumMod val="75000"/>
-                </a:schemeClr>
-              </a:solidFill>
-            </a:endParaRPr>
-          </a:p>
-        </p:txBody>
-      </p:sp>
-      <p:sp>
-        <p:nvSpPr>
-          <p:cNvPr id="36" name="Rectangle 11"/>
-          <p:cNvSpPr/>
-          <p:nvPr/>
-        </p:nvSpPr>
-        <p:spPr>
-          <a:xfrm>
-            <a:off x="2592526" y="3991960"/>
-            <a:ext cx="1093635" cy="236841"/>
-          </a:xfrm>
-          <a:prstGeom prst="rect">
-            <a:avLst/>
-          </a:prstGeom>
-          <a:ln w="19050">
-            <a:solidFill>
-              <a:schemeClr val="accent3"/>
-            </a:solidFill>
-          </a:ln>
-          <a:effectLst/>
-        </p:spPr>
-        <p:style>
-          <a:lnRef idx="1">
-            <a:schemeClr val="accent3"/>
-          </a:lnRef>
-          <a:fillRef idx="2">
-            <a:schemeClr val="accent3"/>
-          </a:fillRef>
-          <a:effectRef idx="1">
-            <a:schemeClr val="accent3"/>
-          </a:effectRef>
-          <a:fontRef idx="minor">
-            <a:schemeClr val="dk1"/>
-          </a:fontRef>
-        </p:style>
-        <p:txBody>
-          <a:bodyPr rtlCol="0" anchor="ctr"/>
-          <a:lstStyle/>
-          <a:p>
-            <a:pPr algn="ctr"/>
-            <a:r>
-              <a:rPr lang="en-US" sz="1050" b="1" dirty="0" err="1">
-                <a:solidFill>
-                  <a:schemeClr val="accent3">
-                    <a:lumMod val="75000"/>
-                  </a:schemeClr>
-                </a:solidFill>
-              </a:rPr>
-              <a:t>PersonListPanel</a:t>
-            </a:r>
-            <a:endParaRPr lang="en-SG" sz="1050" b="1" dirty="0">
-              <a:solidFill>
-                <a:schemeClr val="accent3">
-                  <a:lumMod val="75000"/>
-                </a:schemeClr>
-              </a:solidFill>
-            </a:endParaRPr>
-          </a:p>
-        </p:txBody>
-      </p:sp>
-      <p:sp>
-        <p:nvSpPr>
-          <p:cNvPr id="37" name="Rectangle 11"/>
-          <p:cNvSpPr/>
-          <p:nvPr/>
-        </p:nvSpPr>
-        <p:spPr>
-          <a:xfrm>
-            <a:off x="3839323" y="4228801"/>
-            <a:ext cx="1040906" cy="236841"/>
-          </a:xfrm>
-          <a:prstGeom prst="rect">
-            <a:avLst/>
-          </a:prstGeom>
-          <a:ln w="19050">
-            <a:solidFill>
-              <a:schemeClr val="accent3"/>
-            </a:solidFill>
-          </a:ln>
-          <a:effectLst/>
-        </p:spPr>
-        <p:style>
-          <a:lnRef idx="1">
-            <a:schemeClr val="accent3"/>
-          </a:lnRef>
-          <a:fillRef idx="2">
-            <a:schemeClr val="accent3"/>
-          </a:fillRef>
-          <a:effectRef idx="1">
-            <a:schemeClr val="accent3"/>
-          </a:effectRef>
-          <a:fontRef idx="minor">
-            <a:schemeClr val="dk1"/>
-          </a:fontRef>
-        </p:style>
-        <p:txBody>
-          <a:bodyPr rtlCol="0" anchor="ctr"/>
-          <a:lstStyle/>
-          <a:p>
-            <a:pPr algn="ctr"/>
-            <a:r>
-              <a:rPr lang="en-US" sz="1050" b="1" dirty="0" err="1">
-                <a:solidFill>
-                  <a:schemeClr val="accent3">
-                    <a:lumMod val="75000"/>
-                  </a:schemeClr>
-                </a:solidFill>
-              </a:rPr>
-              <a:t>PersonCard</a:t>
-            </a:r>
-            <a:endParaRPr lang="en-SG" sz="1050" b="1" dirty="0">
-              <a:solidFill>
-                <a:schemeClr val="accent3">
-                  <a:lumMod val="75000"/>
-                </a:schemeClr>
-              </a:solidFill>
-            </a:endParaRPr>
-          </a:p>
-        </p:txBody>
-      </p:sp>
-      <p:sp>
-        <p:nvSpPr>
-          <p:cNvPr id="38" name="Rectangle 11"/>
-          <p:cNvSpPr/>
-          <p:nvPr/>
-        </p:nvSpPr>
-        <p:spPr>
-          <a:xfrm>
-            <a:off x="2592528" y="4966000"/>
-            <a:ext cx="1093635" cy="236841"/>
-          </a:xfrm>
-          <a:prstGeom prst="rect">
-            <a:avLst/>
-          </a:prstGeom>
-          <a:ln w="19050">
-            <a:solidFill>
-              <a:schemeClr val="accent3"/>
-            </a:solidFill>
-          </a:ln>
-          <a:effectLst/>
-        </p:spPr>
-        <p:style>
-          <a:lnRef idx="1">
-            <a:schemeClr val="accent3"/>
-          </a:lnRef>
-          <a:fillRef idx="2">
-            <a:schemeClr val="accent3"/>
-          </a:fillRef>
-          <a:effectRef idx="1">
-            <a:schemeClr val="accent3"/>
-          </a:effectRef>
-          <a:fontRef idx="minor">
-            <a:schemeClr val="dk1"/>
-          </a:fontRef>
-        </p:style>
-        <p:txBody>
-          <a:bodyPr rtlCol="0" anchor="ctr"/>
-          <a:lstStyle/>
-          <a:p>
-            <a:pPr algn="ctr"/>
-            <a:r>
-              <a:rPr lang="en-US" sz="1050" b="1" dirty="0" err="1">
-                <a:solidFill>
-                  <a:schemeClr val="accent3">
-                    <a:lumMod val="75000"/>
-                  </a:schemeClr>
-                </a:solidFill>
-              </a:rPr>
-              <a:t>HelpWindow</a:t>
-            </a:r>
-            <a:endParaRPr lang="en-SG" sz="1050" b="1" dirty="0">
-              <a:solidFill>
-                <a:schemeClr val="accent3">
-                  <a:lumMod val="75000"/>
-                </a:schemeClr>
-              </a:solidFill>
-            </a:endParaRPr>
-          </a:p>
-        </p:txBody>
-      </p:sp>
-      <p:sp>
-        <p:nvSpPr>
-          <p:cNvPr id="39" name="Flowchart: Decision 38"/>
-          <p:cNvSpPr/>
-          <p:nvPr/>
-        </p:nvSpPr>
-        <p:spPr>
-          <a:xfrm>
-            <a:off x="2324548" y="2706452"/>
-            <a:ext cx="183156" cy="161573"/>
-          </a:xfrm>
-          <a:prstGeom prst="flowChartDecision">
-            <a:avLst/>
-          </a:prstGeom>
-          <a:solidFill>
-            <a:schemeClr val="accent3"/>
-          </a:solidFill>
-          <a:ln>
-            <a:solidFill>
-              <a:schemeClr val="accent3"/>
-            </a:solidFill>
-          </a:ln>
-        </p:spPr>
-        <p:style>
-          <a:lnRef idx="2">
-            <a:schemeClr val="accent1">
-              <a:shade val="50000"/>
-            </a:schemeClr>
-          </a:lnRef>
-          <a:fillRef idx="1">
-            <a:schemeClr val="accent1"/>
-          </a:fillRef>
-          <a:effectRef idx="0">
-            <a:schemeClr val="accent1"/>
-          </a:effectRef>
-          <a:fontRef idx="minor">
-            <a:schemeClr val="lt1"/>
-          </a:fontRef>
-        </p:style>
-        <p:txBody>
-          <a:bodyPr rtlCol="0" anchor="ctr"/>
-          <a:lstStyle/>
-          <a:p>
-            <a:pPr algn="ctr"/>
-            <a:endParaRPr lang="en-SG"/>
-          </a:p>
-        </p:txBody>
-      </p:sp>
       <p:cxnSp>
         <p:nvCxnSpPr>
-          <p:cNvPr id="40" name="Elbow Connector 63"/>
+          <p:cNvPr id="107" name="Elbow Connector 106"/>
           <p:cNvCxnSpPr>
-            <a:stCxn id="39" idx="2"/>
-            <a:endCxn id="3" idx="1"/>
+            <a:cxnSpLocks/>
+            <a:stCxn id="9" idx="3"/>
           </p:cNvCxnSpPr>
           <p:nvPr/>
         </p:nvCxnSpPr>
         <p:spPr>
-          <a:xfrm rot="16200000" flipH="1">
-            <a:off x="2393229" y="2890922"/>
-            <a:ext cx="222196" cy="176402"/>
+          <a:xfrm>
+            <a:off x="3186477" y="1944304"/>
+            <a:ext cx="637681" cy="18675"/>
           </a:xfrm>
-          <a:prstGeom prst="bentConnector2">
-            <a:avLst/>
-          </a:prstGeom>
-          <a:ln w="19050">
-            <a:solidFill>
-              <a:schemeClr val="accent3"/>
-            </a:solidFill>
-            <a:headEnd type="none" w="med" len="med"/>
-            <a:tailEnd type="arrow" w="med" len="med"/>
-          </a:ln>
-          <a:effectLst/>
-        </p:spPr>
-        <p:style>
-          <a:lnRef idx="1">
-            <a:schemeClr val="accent2"/>
-          </a:lnRef>
-          <a:fillRef idx="2">
-            <a:schemeClr val="accent2"/>
-          </a:fillRef>
-          <a:effectRef idx="1">
-            <a:schemeClr val="accent2"/>
-          </a:effectRef>
-          <a:fontRef idx="minor">
-            <a:schemeClr val="dk1"/>
-          </a:fontRef>
-        </p:style>
-      </p:cxnSp>
-      <p:sp>
-        <p:nvSpPr>
-          <p:cNvPr id="43" name="Rectangle 11"/>
-          <p:cNvSpPr/>
-          <p:nvPr/>
-        </p:nvSpPr>
-        <p:spPr>
-          <a:xfrm>
-            <a:off x="2590799" y="3304308"/>
-            <a:ext cx="1095361" cy="236841"/>
-          </a:xfrm>
-          <a:prstGeom prst="rect">
-            <a:avLst/>
-          </a:prstGeom>
-          <a:ln w="19050">
-            <a:solidFill>
-              <a:schemeClr val="accent3"/>
-            </a:solidFill>
-          </a:ln>
-          <a:effectLst/>
-        </p:spPr>
-        <p:style>
-          <a:lnRef idx="1">
-            <a:schemeClr val="accent3"/>
-          </a:lnRef>
-          <a:fillRef idx="2">
-            <a:schemeClr val="accent3"/>
-          </a:fillRef>
-          <a:effectRef idx="1">
-            <a:schemeClr val="accent3"/>
-          </a:effectRef>
-          <a:fontRef idx="minor">
-            <a:schemeClr val="dk1"/>
-          </a:fontRef>
-        </p:style>
-        <p:txBody>
-          <a:bodyPr rtlCol="0" anchor="ctr"/>
-          <a:lstStyle/>
-          <a:p>
-            <a:pPr algn="ctr"/>
-            <a:r>
-              <a:rPr lang="en-US" sz="1050" b="1" dirty="0" err="1">
-                <a:solidFill>
-                  <a:schemeClr val="accent3">
-                    <a:lumMod val="75000"/>
-                  </a:schemeClr>
-                </a:solidFill>
-              </a:rPr>
-              <a:t>ResultDisplay</a:t>
-            </a:r>
-            <a:endParaRPr lang="en-SG" sz="1050" b="1" dirty="0">
-              <a:solidFill>
-                <a:schemeClr val="accent3">
-                  <a:lumMod val="75000"/>
-                </a:schemeClr>
-              </a:solidFill>
-            </a:endParaRPr>
-          </a:p>
-        </p:txBody>
-      </p:sp>
-      <p:cxnSp>
-        <p:nvCxnSpPr>
-          <p:cNvPr id="44" name="Elbow Connector 63"/>
-          <p:cNvCxnSpPr>
-            <a:stCxn id="39" idx="2"/>
-            <a:endCxn id="34" idx="1"/>
-          </p:cNvCxnSpPr>
-          <p:nvPr/>
-        </p:nvCxnSpPr>
-        <p:spPr>
-          <a:xfrm rot="16200000" flipH="1">
-            <a:off x="2054450" y="3229701"/>
-            <a:ext cx="899755" cy="176402"/>
-          </a:xfrm>
-          <a:prstGeom prst="bentConnector2">
-            <a:avLst/>
-          </a:prstGeom>
-          <a:ln w="19050">
-            <a:solidFill>
-              <a:schemeClr val="accent3"/>
-            </a:solidFill>
-            <a:headEnd type="none" w="med" len="med"/>
-            <a:tailEnd type="arrow" w="med" len="med"/>
-          </a:ln>
-          <a:effectLst/>
-        </p:spPr>
-        <p:style>
-          <a:lnRef idx="1">
-            <a:schemeClr val="accent2"/>
-          </a:lnRef>
-          <a:fillRef idx="2">
-            <a:schemeClr val="accent2"/>
-          </a:fillRef>
-          <a:effectRef idx="1">
-            <a:schemeClr val="accent2"/>
-          </a:effectRef>
-          <a:fontRef idx="minor">
-            <a:schemeClr val="dk1"/>
-          </a:fontRef>
-        </p:style>
-      </p:cxnSp>
-      <p:cxnSp>
-        <p:nvCxnSpPr>
-          <p:cNvPr id="47" name="Elbow Connector 63"/>
-          <p:cNvCxnSpPr>
-            <a:stCxn id="39" idx="2"/>
-            <a:endCxn id="36" idx="1"/>
-          </p:cNvCxnSpPr>
-          <p:nvPr/>
-        </p:nvCxnSpPr>
-        <p:spPr>
-          <a:xfrm rot="16200000" flipH="1">
-            <a:off x="1883148" y="3401003"/>
-            <a:ext cx="1242356" cy="176400"/>
-          </a:xfrm>
-          <a:prstGeom prst="bentConnector2">
-            <a:avLst/>
-          </a:prstGeom>
-          <a:ln w="19050">
-            <a:solidFill>
-              <a:schemeClr val="accent3"/>
-            </a:solidFill>
-            <a:headEnd type="none" w="med" len="med"/>
-            <a:tailEnd type="arrow" w="med" len="med"/>
-          </a:ln>
-          <a:effectLst/>
-        </p:spPr>
-        <p:style>
-          <a:lnRef idx="1">
-            <a:schemeClr val="accent2"/>
-          </a:lnRef>
-          <a:fillRef idx="2">
-            <a:schemeClr val="accent2"/>
-          </a:fillRef>
-          <a:effectRef idx="1">
-            <a:schemeClr val="accent2"/>
-          </a:effectRef>
-          <a:fontRef idx="minor">
-            <a:schemeClr val="dk1"/>
-          </a:fontRef>
-        </p:style>
-      </p:cxnSp>
-      <p:cxnSp>
-        <p:nvCxnSpPr>
-          <p:cNvPr id="50" name="Elbow Connector 63"/>
-          <p:cNvCxnSpPr>
-            <a:stCxn id="39" idx="2"/>
-            <a:endCxn id="35" idx="1"/>
-          </p:cNvCxnSpPr>
-          <p:nvPr/>
-        </p:nvCxnSpPr>
-        <p:spPr>
-          <a:xfrm rot="16200000" flipH="1">
-            <a:off x="1597249" y="3686901"/>
-            <a:ext cx="1814155" cy="176401"/>
-          </a:xfrm>
-          <a:prstGeom prst="bentConnector2">
-            <a:avLst/>
-          </a:prstGeom>
-          <a:ln w="19050">
-            <a:solidFill>
-              <a:schemeClr val="accent3"/>
-            </a:solidFill>
-            <a:headEnd type="none" w="med" len="med"/>
-            <a:tailEnd type="arrow" w="med" len="med"/>
-          </a:ln>
-          <a:effectLst/>
-        </p:spPr>
-        <p:style>
-          <a:lnRef idx="1">
-            <a:schemeClr val="accent2"/>
-          </a:lnRef>
-          <a:fillRef idx="2">
-            <a:schemeClr val="accent2"/>
-          </a:fillRef>
-          <a:effectRef idx="1">
-            <a:schemeClr val="accent2"/>
-          </a:effectRef>
-          <a:fontRef idx="minor">
-            <a:schemeClr val="dk1"/>
-          </a:fontRef>
-        </p:style>
-      </p:cxnSp>
-      <p:cxnSp>
-        <p:nvCxnSpPr>
-          <p:cNvPr id="53" name="Elbow Connector 63"/>
-          <p:cNvCxnSpPr>
-            <a:endCxn id="38" idx="1"/>
-          </p:cNvCxnSpPr>
-          <p:nvPr/>
-        </p:nvCxnSpPr>
-        <p:spPr>
-          <a:xfrm rot="16200000" flipH="1">
-            <a:off x="1184119" y="3676012"/>
-            <a:ext cx="2396440" cy="420377"/>
-          </a:xfrm>
-          <a:prstGeom prst="bentConnector2">
-            <a:avLst/>
-          </a:prstGeom>
-          <a:ln w="19050">
-            <a:solidFill>
-              <a:schemeClr val="accent3"/>
-            </a:solidFill>
-            <a:headEnd type="none" w="med" len="med"/>
-            <a:tailEnd type="arrow" w="med" len="med"/>
-          </a:ln>
-          <a:effectLst/>
-        </p:spPr>
-        <p:style>
-          <a:lnRef idx="1">
-            <a:schemeClr val="accent2"/>
-          </a:lnRef>
-          <a:fillRef idx="2">
-            <a:schemeClr val="accent2"/>
-          </a:fillRef>
-          <a:effectRef idx="1">
-            <a:schemeClr val="accent2"/>
-          </a:effectRef>
-          <a:fontRef idx="minor">
-            <a:schemeClr val="dk1"/>
-          </a:fontRef>
-        </p:style>
-      </p:cxnSp>
-      <p:sp>
-        <p:nvSpPr>
-          <p:cNvPr id="73" name="Rectangle 62"/>
-          <p:cNvSpPr/>
-          <p:nvPr/>
-        </p:nvSpPr>
-        <p:spPr>
-          <a:xfrm>
-            <a:off x="5143948" y="1770924"/>
-            <a:ext cx="772043" cy="346760"/>
-          </a:xfrm>
-          <a:prstGeom prst="rect">
-            <a:avLst/>
-          </a:prstGeom>
-          <a:ln w="6350">
-            <a:solidFill>
-              <a:schemeClr val="accent3"/>
-            </a:solidFill>
-          </a:ln>
-          <a:effectLst/>
-        </p:spPr>
-        <p:style>
-          <a:lnRef idx="1">
-            <a:schemeClr val="accent3"/>
-          </a:lnRef>
-          <a:fillRef idx="2">
-            <a:schemeClr val="accent3"/>
-          </a:fillRef>
-          <a:effectRef idx="1">
-            <a:schemeClr val="accent3"/>
-          </a:effectRef>
-          <a:fontRef idx="minor">
-            <a:schemeClr val="dk1"/>
-          </a:fontRef>
-        </p:style>
-        <p:txBody>
-          <a:bodyPr rtlCol="0" anchor="ctr"/>
-          <a:lstStyle/>
-          <a:p>
-            <a:pPr algn="ctr"/>
-            <a:r>
-              <a:rPr lang="en-US" sz="1050" b="1" dirty="0">
-                <a:solidFill>
-                  <a:schemeClr val="accent3">
-                    <a:lumMod val="75000"/>
-                  </a:schemeClr>
-                </a:solidFill>
-              </a:rPr>
-              <a:t>{abstract}</a:t>
-            </a:r>
-            <a:br>
-              <a:rPr lang="en-US" sz="1050" b="1" dirty="0">
-                <a:solidFill>
-                  <a:schemeClr val="accent3">
-                    <a:lumMod val="75000"/>
-                  </a:schemeClr>
-                </a:solidFill>
-              </a:rPr>
-            </a:br>
-            <a:r>
-              <a:rPr lang="en-US" sz="1050" b="1" dirty="0" err="1">
-                <a:solidFill>
-                  <a:schemeClr val="accent3">
-                    <a:lumMod val="75000"/>
-                  </a:schemeClr>
-                </a:solidFill>
-              </a:rPr>
-              <a:t>UiPart</a:t>
-            </a:r>
-            <a:endParaRPr lang="en-SG" sz="1050" b="1" dirty="0">
-              <a:solidFill>
-                <a:schemeClr val="accent3">
-                  <a:lumMod val="75000"/>
-                </a:schemeClr>
-              </a:solidFill>
-            </a:endParaRPr>
-          </a:p>
-        </p:txBody>
-      </p:sp>
-      <p:cxnSp>
-        <p:nvCxnSpPr>
-          <p:cNvPr id="74" name="Elbow Connector 63"/>
-          <p:cNvCxnSpPr>
-            <a:stCxn id="43" idx="3"/>
-            <a:endCxn id="16" idx="3"/>
-          </p:cNvCxnSpPr>
-          <p:nvPr/>
-        </p:nvCxnSpPr>
-        <p:spPr>
-          <a:xfrm flipV="1">
-            <a:off x="3686160" y="2286000"/>
-            <a:ext cx="1843809" cy="1136729"/>
-          </a:xfrm>
-          <a:prstGeom prst="bentConnector2">
-            <a:avLst/>
-          </a:prstGeom>
-          <a:ln w="6350">
-            <a:solidFill>
-              <a:schemeClr val="accent3"/>
-            </a:solidFill>
-            <a:headEnd type="none" w="med" len="med"/>
-            <a:tailEnd type="none" w="med" len="med"/>
-          </a:ln>
-          <a:effectLst/>
-        </p:spPr>
-        <p:style>
-          <a:lnRef idx="1">
-            <a:schemeClr val="accent2"/>
-          </a:lnRef>
-          <a:fillRef idx="2">
-            <a:schemeClr val="accent2"/>
-          </a:fillRef>
-          <a:effectRef idx="1">
-            <a:schemeClr val="accent2"/>
-          </a:effectRef>
-          <a:fontRef idx="minor">
-            <a:schemeClr val="dk1"/>
-          </a:fontRef>
-        </p:style>
-      </p:cxnSp>
-      <p:cxnSp>
-        <p:nvCxnSpPr>
-          <p:cNvPr id="77" name="Elbow Connector 63"/>
-          <p:cNvCxnSpPr>
-            <a:stCxn id="16" idx="3"/>
-            <a:endCxn id="37" idx="3"/>
-          </p:cNvCxnSpPr>
-          <p:nvPr/>
-        </p:nvCxnSpPr>
-        <p:spPr>
-          <a:xfrm rot="5400000">
-            <a:off x="4174488" y="2991741"/>
-            <a:ext cx="2061222" cy="649740"/>
-          </a:xfrm>
-          <a:prstGeom prst="bentConnector2">
-            <a:avLst/>
-          </a:prstGeom>
-          <a:ln w="6350">
-            <a:solidFill>
-              <a:schemeClr val="accent3"/>
-            </a:solidFill>
-            <a:headEnd type="none" w="med" len="med"/>
-            <a:tailEnd type="none" w="med" len="med"/>
-          </a:ln>
-          <a:effectLst/>
-        </p:spPr>
-        <p:style>
-          <a:lnRef idx="1">
-            <a:schemeClr val="accent2"/>
-          </a:lnRef>
-          <a:fillRef idx="2">
-            <a:schemeClr val="accent2"/>
-          </a:fillRef>
-          <a:effectRef idx="1">
-            <a:schemeClr val="accent2"/>
-          </a:effectRef>
-          <a:fontRef idx="minor">
-            <a:schemeClr val="dk1"/>
-          </a:fontRef>
-        </p:style>
-      </p:cxnSp>
-      <p:cxnSp>
-        <p:nvCxnSpPr>
-          <p:cNvPr id="82" name="Elbow Connector 63"/>
-          <p:cNvCxnSpPr>
-            <a:stCxn id="16" idx="3"/>
-            <a:endCxn id="34" idx="3"/>
-          </p:cNvCxnSpPr>
-          <p:nvPr/>
-        </p:nvCxnSpPr>
-        <p:spPr>
-          <a:xfrm rot="5400000">
-            <a:off x="3867176" y="2104987"/>
-            <a:ext cx="1481780" cy="1843806"/>
-          </a:xfrm>
-          <a:prstGeom prst="bentConnector2">
-            <a:avLst/>
-          </a:prstGeom>
-          <a:ln w="6350">
-            <a:solidFill>
-              <a:schemeClr val="accent3"/>
-            </a:solidFill>
-            <a:headEnd type="none" w="med" len="med"/>
-            <a:tailEnd type="none" w="med" len="med"/>
-          </a:ln>
-          <a:effectLst/>
-        </p:spPr>
-        <p:style>
-          <a:lnRef idx="1">
-            <a:schemeClr val="accent2"/>
-          </a:lnRef>
-          <a:fillRef idx="2">
-            <a:schemeClr val="accent2"/>
-          </a:fillRef>
-          <a:effectRef idx="1">
-            <a:schemeClr val="accent2"/>
-          </a:effectRef>
-          <a:fontRef idx="minor">
-            <a:schemeClr val="dk1"/>
-          </a:fontRef>
-        </p:style>
-      </p:cxnSp>
-      <p:cxnSp>
-        <p:nvCxnSpPr>
-          <p:cNvPr id="88" name="Elbow Connector 63"/>
-          <p:cNvCxnSpPr>
-            <a:stCxn id="2" idx="3"/>
-            <a:endCxn id="16" idx="3"/>
-          </p:cNvCxnSpPr>
-          <p:nvPr/>
-        </p:nvCxnSpPr>
-        <p:spPr>
-          <a:xfrm flipV="1">
-            <a:off x="3189583" y="2286000"/>
-            <a:ext cx="2340386" cy="228600"/>
-          </a:xfrm>
-          <a:prstGeom prst="bentConnector2">
-            <a:avLst/>
-          </a:prstGeom>
-          <a:ln w="6350">
-            <a:solidFill>
-              <a:schemeClr val="accent3"/>
-            </a:solidFill>
-            <a:headEnd type="none" w="med" len="med"/>
-            <a:tailEnd type="none" w="med" len="med"/>
-          </a:ln>
-          <a:effectLst/>
-        </p:spPr>
-        <p:style>
-          <a:lnRef idx="1">
-            <a:schemeClr val="accent2"/>
-          </a:lnRef>
-          <a:fillRef idx="2">
-            <a:schemeClr val="accent2"/>
-          </a:fillRef>
-          <a:effectRef idx="1">
-            <a:schemeClr val="accent2"/>
-          </a:effectRef>
-          <a:fontRef idx="minor">
-            <a:schemeClr val="dk1"/>
-          </a:fontRef>
-        </p:style>
-      </p:cxnSp>
-      <p:cxnSp>
-        <p:nvCxnSpPr>
-          <p:cNvPr id="91" name="Elbow Connector 63"/>
-          <p:cNvCxnSpPr>
-            <a:stCxn id="16" idx="3"/>
-            <a:endCxn id="35" idx="3"/>
-          </p:cNvCxnSpPr>
-          <p:nvPr/>
-        </p:nvCxnSpPr>
-        <p:spPr>
-          <a:xfrm rot="5400000">
-            <a:off x="3409976" y="2562187"/>
-            <a:ext cx="2396180" cy="1843807"/>
-          </a:xfrm>
-          <a:prstGeom prst="bentConnector2">
-            <a:avLst/>
-          </a:prstGeom>
-          <a:ln w="6350">
-            <a:solidFill>
-              <a:schemeClr val="accent3"/>
-            </a:solidFill>
-            <a:headEnd type="none" w="med" len="med"/>
-            <a:tailEnd type="none" w="med" len="med"/>
-          </a:ln>
-          <a:effectLst/>
-        </p:spPr>
-        <p:style>
-          <a:lnRef idx="1">
-            <a:schemeClr val="accent2"/>
-          </a:lnRef>
-          <a:fillRef idx="2">
-            <a:schemeClr val="accent2"/>
-          </a:fillRef>
-          <a:effectRef idx="1">
-            <a:schemeClr val="accent2"/>
-          </a:effectRef>
-          <a:fontRef idx="minor">
-            <a:schemeClr val="dk1"/>
-          </a:fontRef>
-        </p:style>
-      </p:cxnSp>
-      <p:cxnSp>
-        <p:nvCxnSpPr>
-          <p:cNvPr id="94" name="Elbow Connector 63"/>
-          <p:cNvCxnSpPr>
-            <a:stCxn id="16" idx="3"/>
-            <a:endCxn id="38" idx="3"/>
-          </p:cNvCxnSpPr>
-          <p:nvPr/>
-        </p:nvCxnSpPr>
-        <p:spPr>
-          <a:xfrm rot="5400000">
-            <a:off x="3208856" y="2763307"/>
-            <a:ext cx="2798421" cy="1843806"/>
-          </a:xfrm>
-          <a:prstGeom prst="bentConnector2">
-            <a:avLst/>
-          </a:prstGeom>
-          <a:ln w="6350">
-            <a:solidFill>
-              <a:schemeClr val="accent3"/>
-            </a:solidFill>
-            <a:headEnd type="none" w="med" len="med"/>
-            <a:tailEnd type="none" w="med" len="med"/>
-          </a:ln>
-          <a:effectLst/>
-        </p:spPr>
-        <p:style>
-          <a:lnRef idx="1">
-            <a:schemeClr val="accent2"/>
-          </a:lnRef>
-          <a:fillRef idx="2">
-            <a:schemeClr val="accent2"/>
-          </a:fillRef>
-          <a:effectRef idx="1">
-            <a:schemeClr val="accent2"/>
-          </a:effectRef>
-          <a:fontRef idx="minor">
-            <a:schemeClr val="dk1"/>
-          </a:fontRef>
-        </p:style>
-      </p:cxnSp>
-      <p:cxnSp>
-        <p:nvCxnSpPr>
-          <p:cNvPr id="107" name="Elbow Connector 106"/>
-          <p:cNvCxnSpPr>
-            <a:stCxn id="9" idx="0"/>
-          </p:cNvCxnSpPr>
-          <p:nvPr/>
-        </p:nvCxnSpPr>
-        <p:spPr>
-          <a:xfrm rot="5400000" flipH="1" flipV="1">
-            <a:off x="4594921" y="-355061"/>
-            <a:ext cx="170724" cy="4081246"/>
-          </a:xfrm>
-          <a:prstGeom prst="bentConnector2">
-            <a:avLst/>
+          <a:prstGeom prst="bentConnector3">
+            <a:avLst>
+              <a:gd name="adj1" fmla="val 336"/>
+            </a:avLst>
           </a:prstGeom>
           <a:ln w="19050">
             <a:solidFill>
@@ -4855,24 +3855,80 @@
           </a:fontRef>
         </p:style>
       </p:cxnSp>
-      <p:sp>
-        <p:nvSpPr>
-          <p:cNvPr id="117" name="Rectangle 65"/>
+      <p:cxnSp>
+        <p:nvCxnSpPr>
+          <p:cNvPr id="17" name="Elbow Connector 106">
+            <a:extLst>
+              <a:ext uri="{FF2B5EF4-FFF2-40B4-BE49-F238E27FC236}">
+                <a16:creationId xmlns:a16="http://schemas.microsoft.com/office/drawing/2014/main" id="{5CDA83B6-8324-4EE0-BE81-B27B288BE169}"/>
+              </a:ext>
+            </a:extLst>
+          </p:cNvPr>
+          <p:cNvCxnSpPr>
+            <a:cxnSpLocks/>
+            <a:stCxn id="2" idx="3"/>
+          </p:cNvCxnSpPr>
+          <p:nvPr/>
+        </p:nvCxnSpPr>
+        <p:spPr>
+          <a:xfrm flipV="1">
+            <a:off x="3189583" y="2250672"/>
+            <a:ext cx="634575" cy="263928"/>
+          </a:xfrm>
+          <a:prstGeom prst="bentConnector3">
+            <a:avLst>
+              <a:gd name="adj1" fmla="val 50000"/>
+            </a:avLst>
+          </a:prstGeom>
+          <a:ln w="19050">
+            <a:solidFill>
+              <a:srgbClr val="00B050"/>
+            </a:solidFill>
+            <a:prstDash val="solid"/>
+            <a:headEnd type="none" w="med" len="med"/>
+            <a:tailEnd type="arrow" w="med" len="med"/>
+          </a:ln>
+          <a:effectLst/>
+        </p:spPr>
+        <p:style>
+          <a:lnRef idx="1">
+            <a:schemeClr val="accent2"/>
+          </a:lnRef>
+          <a:fillRef idx="2">
+            <a:schemeClr val="accent2"/>
+          </a:fillRef>
+          <a:effectRef idx="1">
+            <a:schemeClr val="accent2"/>
+          </a:effectRef>
+          <a:fontRef idx="minor">
+            <a:schemeClr val="dk1"/>
+          </a:fontRef>
+        </p:style>
+      </p:cxnSp>
+      <p:sp>
+        <p:nvSpPr>
+          <p:cNvPr id="21" name="Rectangle 65">
+            <a:extLst>
+              <a:ext uri="{FF2B5EF4-FFF2-40B4-BE49-F238E27FC236}">
+                <a16:creationId xmlns:a16="http://schemas.microsoft.com/office/drawing/2014/main" id="{02DF521E-7E36-4825-A42A-868FD34A265B}"/>
+              </a:ext>
+            </a:extLst>
+          </p:cNvPr>
           <p:cNvSpPr/>
           <p:nvPr/>
         </p:nvSpPr>
         <p:spPr>
           <a:xfrm rot="16200000">
-            <a:off x="6213739" y="4560376"/>
-            <a:ext cx="1371599" cy="328045"/>
+            <a:off x="4282904" y="2025779"/>
+            <a:ext cx="830039" cy="328045"/>
           </a:xfrm>
           <a:prstGeom prst="roundRect">
             <a:avLst/>
           </a:prstGeom>
           <a:solidFill>
             <a:schemeClr val="accent4">
-              <a:lumMod val="20000"/>
-              <a:lumOff val="80000"/>
+              <a:lumMod val="40000"/>
+              <a:lumOff val="60000"/>
             </a:schemeClr>
           </a:solidFill>
           <a:ln w="19050">
@@ -4905,607 +3961,13 @@
                   <a:schemeClr val="bg1"/>
                 </a:solidFill>
               </a:rPr>
-              <a:t>Model</a:t>
+              <a:t>Data</a:t>
             </a:r>
             <a:endParaRPr lang="en-SG" sz="1100" b="1" dirty="0">
               <a:solidFill>
                 <a:schemeClr val="bg1"/>
               </a:solidFill>
             </a:endParaRPr>
-          </a:p>
-        </p:txBody>
-      </p:sp>
-      <p:sp>
-        <p:nvSpPr>
-          <p:cNvPr id="119" name="Rectangle 62"/>
-          <p:cNvSpPr/>
-          <p:nvPr/>
-        </p:nvSpPr>
-        <p:spPr>
-          <a:xfrm rot="16200000">
-            <a:off x="956202" y="2861202"/>
-            <a:ext cx="1093635" cy="346760"/>
-          </a:xfrm>
-          <a:prstGeom prst="rect">
-            <a:avLst/>
-          </a:prstGeom>
-          <a:solidFill>
-            <a:srgbClr val="00B050"/>
-          </a:solidFill>
-          <a:ln w="19050">
-            <a:solidFill>
-              <a:srgbClr val="00B050"/>
-            </a:solidFill>
-          </a:ln>
-          <a:effectLst/>
-        </p:spPr>
-        <p:style>
-          <a:lnRef idx="1">
-            <a:schemeClr val="accent2"/>
-          </a:lnRef>
-          <a:fillRef idx="2">
-            <a:schemeClr val="accent2"/>
-          </a:fillRef>
-          <a:effectRef idx="1">
-            <a:schemeClr val="accent2"/>
-          </a:effectRef>
-          <a:fontRef idx="minor">
-            <a:schemeClr val="dk1"/>
-          </a:fontRef>
-        </p:style>
-        <p:txBody>
-          <a:bodyPr rtlCol="0" anchor="ctr"/>
-          <a:lstStyle/>
-          <a:p>
-            <a:pPr algn="ctr"/>
-            <a:r>
-              <a:rPr lang="en-US" sz="1050" dirty="0">
-                <a:solidFill>
-                  <a:schemeClr val="bg1"/>
-                </a:solidFill>
-              </a:rPr>
-              <a:t>&lt;&lt;interface&gt;&gt;</a:t>
-            </a:r>
-          </a:p>
-          <a:p>
-            <a:pPr algn="ctr"/>
-            <a:r>
-              <a:rPr lang="en-US" sz="1050" dirty="0" err="1">
-                <a:solidFill>
-                  <a:schemeClr val="bg1"/>
-                </a:solidFill>
-              </a:rPr>
-              <a:t>Ui</a:t>
-            </a:r>
-            <a:endParaRPr lang="en-SG" sz="1050" dirty="0">
-              <a:solidFill>
-                <a:schemeClr val="bg1"/>
-              </a:solidFill>
-            </a:endParaRPr>
-          </a:p>
-        </p:txBody>
-      </p:sp>
-      <p:sp>
-        <p:nvSpPr>
-          <p:cNvPr id="120" name="Isosceles Triangle 102"/>
-          <p:cNvSpPr/>
-          <p:nvPr/>
-        </p:nvSpPr>
-        <p:spPr>
-          <a:xfrm flipV="1">
-            <a:off x="1367767" y="2286001"/>
-            <a:ext cx="270504" cy="175523"/>
-          </a:xfrm>
-          <a:prstGeom prst="triangle">
-            <a:avLst/>
-          </a:prstGeom>
-          <a:ln w="19050">
-            <a:solidFill>
-              <a:srgbClr val="00B050"/>
-            </a:solidFill>
-          </a:ln>
-          <a:effectLst/>
-        </p:spPr>
-        <p:style>
-          <a:lnRef idx="1">
-            <a:schemeClr val="accent3"/>
-          </a:lnRef>
-          <a:fillRef idx="2">
-            <a:schemeClr val="accent3"/>
-          </a:fillRef>
-          <a:effectRef idx="1">
-            <a:schemeClr val="accent3"/>
-          </a:effectRef>
-          <a:fontRef idx="minor">
-            <a:schemeClr val="dk1"/>
-          </a:fontRef>
-        </p:style>
-        <p:txBody>
-          <a:bodyPr rtlCol="0" anchor="ctr"/>
-          <a:lstStyle/>
-          <a:p>
-            <a:pPr algn="ctr"/>
-            <a:endParaRPr lang="en-SG" sz="1050" b="1">
-              <a:solidFill>
-                <a:srgbClr val="92D050"/>
-              </a:solidFill>
-            </a:endParaRPr>
-          </a:p>
-        </p:txBody>
-      </p:sp>
-      <p:cxnSp>
-        <p:nvCxnSpPr>
-          <p:cNvPr id="121" name="Elbow Connector 63"/>
-          <p:cNvCxnSpPr>
-            <a:stCxn id="9" idx="1"/>
-            <a:endCxn id="120" idx="3"/>
-          </p:cNvCxnSpPr>
-          <p:nvPr/>
-        </p:nvCxnSpPr>
-        <p:spPr>
-          <a:xfrm rot="10800000" flipV="1">
-            <a:off x="1503020" y="1944303"/>
-            <a:ext cx="589823" cy="341697"/>
-          </a:xfrm>
-          <a:prstGeom prst="bentConnector2">
-            <a:avLst/>
-          </a:prstGeom>
-          <a:ln w="19050">
-            <a:solidFill>
-              <a:srgbClr val="00B050"/>
-            </a:solidFill>
-            <a:prstDash val="sysDot"/>
-            <a:headEnd type="none" w="med" len="med"/>
-            <a:tailEnd type="none" w="med" len="med"/>
-          </a:ln>
-          <a:effectLst/>
-        </p:spPr>
-        <p:style>
-          <a:lnRef idx="1">
-            <a:schemeClr val="accent2"/>
-          </a:lnRef>
-          <a:fillRef idx="2">
-            <a:schemeClr val="accent2"/>
-          </a:fillRef>
-          <a:effectRef idx="1">
-            <a:schemeClr val="accent2"/>
-          </a:effectRef>
-          <a:fontRef idx="minor">
-            <a:schemeClr val="dk1"/>
-          </a:fontRef>
-        </p:style>
-      </p:cxnSp>
-      <p:cxnSp>
-        <p:nvCxnSpPr>
-          <p:cNvPr id="131" name="Elbow Connector 130"/>
-          <p:cNvCxnSpPr>
-            <a:stCxn id="39" idx="2"/>
-            <a:endCxn id="43" idx="1"/>
-          </p:cNvCxnSpPr>
-          <p:nvPr/>
-        </p:nvCxnSpPr>
-        <p:spPr>
-          <a:xfrm rot="16200000" flipH="1">
-            <a:off x="2226110" y="3058040"/>
-            <a:ext cx="554704" cy="174673"/>
-          </a:xfrm>
-          <a:prstGeom prst="bentConnector2">
-            <a:avLst/>
-          </a:prstGeom>
-          <a:ln w="19050">
-            <a:solidFill>
-              <a:schemeClr val="accent3"/>
-            </a:solidFill>
-            <a:headEnd type="none" w="med" len="med"/>
-            <a:tailEnd type="arrow" w="med" len="med"/>
-          </a:ln>
-          <a:effectLst/>
-        </p:spPr>
-        <p:style>
-          <a:lnRef idx="1">
-            <a:schemeClr val="accent2"/>
-          </a:lnRef>
-          <a:fillRef idx="2">
-            <a:schemeClr val="accent2"/>
-          </a:fillRef>
-          <a:effectRef idx="1">
-            <a:schemeClr val="accent2"/>
-          </a:effectRef>
-          <a:fontRef idx="minor">
-            <a:schemeClr val="dk1"/>
-          </a:fontRef>
-        </p:style>
-      </p:cxnSp>
-      <p:cxnSp>
-        <p:nvCxnSpPr>
-          <p:cNvPr id="132" name="Elbow Connector 63"/>
-          <p:cNvCxnSpPr>
-            <a:stCxn id="16" idx="3"/>
-            <a:endCxn id="3" idx="3"/>
-          </p:cNvCxnSpPr>
-          <p:nvPr/>
-        </p:nvCxnSpPr>
-        <p:spPr>
-          <a:xfrm rot="5400000">
-            <a:off x="4205956" y="1766207"/>
-            <a:ext cx="804221" cy="1843806"/>
-          </a:xfrm>
-          <a:prstGeom prst="bentConnector2">
-            <a:avLst/>
-          </a:prstGeom>
-          <a:ln w="6350">
-            <a:solidFill>
-              <a:schemeClr val="accent3"/>
-            </a:solidFill>
-            <a:headEnd type="none" w="med" len="med"/>
-            <a:tailEnd type="none" w="med" len="med"/>
-          </a:ln>
-          <a:effectLst/>
-        </p:spPr>
-        <p:style>
-          <a:lnRef idx="1">
-            <a:schemeClr val="accent2"/>
-          </a:lnRef>
-          <a:fillRef idx="2">
-            <a:schemeClr val="accent2"/>
-          </a:fillRef>
-          <a:effectRef idx="1">
-            <a:schemeClr val="accent2"/>
-          </a:effectRef>
-          <a:fontRef idx="minor">
-            <a:schemeClr val="dk1"/>
-          </a:fontRef>
-        </p:style>
-      </p:cxnSp>
-      <p:cxnSp>
-        <p:nvCxnSpPr>
-          <p:cNvPr id="137" name="Elbow Connector 136"/>
-          <p:cNvCxnSpPr>
-            <a:stCxn id="36" idx="2"/>
-            <a:endCxn id="37" idx="1"/>
-          </p:cNvCxnSpPr>
-          <p:nvPr/>
-        </p:nvCxnSpPr>
-        <p:spPr>
-          <a:xfrm rot="16200000" flipH="1">
-            <a:off x="3430123" y="3938021"/>
-            <a:ext cx="118421" cy="699979"/>
-          </a:xfrm>
-          <a:prstGeom prst="bentConnector2">
-            <a:avLst/>
-          </a:prstGeom>
-          <a:ln w="19050">
-            <a:solidFill>
-              <a:schemeClr val="accent3"/>
-            </a:solidFill>
-            <a:headEnd type="none" w="med" len="med"/>
-            <a:tailEnd type="arrow" w="med" len="med"/>
-          </a:ln>
-          <a:effectLst/>
-        </p:spPr>
-        <p:style>
-          <a:lnRef idx="1">
-            <a:schemeClr val="accent2"/>
-          </a:lnRef>
-          <a:fillRef idx="2">
-            <a:schemeClr val="accent2"/>
-          </a:fillRef>
-          <a:effectRef idx="1">
-            <a:schemeClr val="accent2"/>
-          </a:effectRef>
-          <a:fontRef idx="minor">
-            <a:schemeClr val="dk1"/>
-          </a:fontRef>
-        </p:style>
-      </p:cxnSp>
-      <p:cxnSp>
-        <p:nvCxnSpPr>
-          <p:cNvPr id="140" name="Elbow Connector 63"/>
-          <p:cNvCxnSpPr>
-            <a:stCxn id="16" idx="3"/>
-            <a:endCxn id="36" idx="3"/>
-          </p:cNvCxnSpPr>
-          <p:nvPr/>
-        </p:nvCxnSpPr>
-        <p:spPr>
-          <a:xfrm rot="5400000">
-            <a:off x="3695875" y="2276286"/>
-            <a:ext cx="1824381" cy="1843808"/>
-          </a:xfrm>
-          <a:prstGeom prst="bentConnector2">
-            <a:avLst/>
-          </a:prstGeom>
-          <a:ln w="6350">
-            <a:solidFill>
-              <a:schemeClr val="accent3"/>
-            </a:solidFill>
-            <a:headEnd type="none" w="med" len="med"/>
-            <a:tailEnd type="none" w="med" len="med"/>
-          </a:ln>
-          <a:effectLst/>
-        </p:spPr>
-        <p:style>
-          <a:lnRef idx="1">
-            <a:schemeClr val="accent2"/>
-          </a:lnRef>
-          <a:fillRef idx="2">
-            <a:schemeClr val="accent2"/>
-          </a:fillRef>
-          <a:effectRef idx="1">
-            <a:schemeClr val="accent2"/>
-          </a:effectRef>
-          <a:fontRef idx="minor">
-            <a:schemeClr val="dk1"/>
-          </a:fontRef>
-        </p:style>
-      </p:cxnSp>
-      <p:sp>
-        <p:nvSpPr>
-          <p:cNvPr id="143" name="Rectangle 142"/>
-          <p:cNvSpPr/>
-          <p:nvPr/>
-        </p:nvSpPr>
-        <p:spPr>
-          <a:xfrm>
-            <a:off x="5422048" y="2339335"/>
-            <a:ext cx="229325" cy="166560"/>
-          </a:xfrm>
-          <a:prstGeom prst="rect">
-            <a:avLst/>
-          </a:prstGeom>
-          <a:solidFill>
-            <a:schemeClr val="accent3">
-              <a:lumMod val="20000"/>
-              <a:lumOff val="80000"/>
-              <a:alpha val="80000"/>
-            </a:schemeClr>
-          </a:solidFill>
-          <a:ln>
-            <a:noFill/>
-          </a:ln>
-          <a:effectLst>
-            <a:softEdge rad="31750"/>
-          </a:effectLst>
-        </p:spPr>
-        <p:style>
-          <a:lnRef idx="2">
-            <a:schemeClr val="accent1">
-              <a:shade val="50000"/>
-            </a:schemeClr>
-          </a:lnRef>
-          <a:fillRef idx="1">
-            <a:schemeClr val="accent1"/>
-          </a:fillRef>
-          <a:effectRef idx="0">
-            <a:schemeClr val="accent1"/>
-          </a:effectRef>
-          <a:fontRef idx="minor">
-            <a:schemeClr val="lt1"/>
-          </a:fontRef>
-        </p:style>
-        <p:txBody>
-          <a:bodyPr rtlCol="0" anchor="ctr"/>
-          <a:lstStyle/>
-          <a:p>
-            <a:pPr algn="ctr"/>
-            <a:endParaRPr lang="en-SG"/>
-          </a:p>
-        </p:txBody>
-      </p:sp>
-      <p:sp>
-        <p:nvSpPr>
-          <p:cNvPr id="116" name="Freeform 115"/>
-          <p:cNvSpPr/>
-          <p:nvPr/>
-        </p:nvSpPr>
-        <p:spPr>
-          <a:xfrm>
-            <a:off x="3186477" y="2405681"/>
-            <a:ext cx="3537529" cy="45719"/>
-          </a:xfrm>
-          <a:custGeom>
-            <a:avLst/>
-            <a:gdLst>
-              <a:gd name="connsiteX0" fmla="*/ 0 w 3048000"/>
-              <a:gd name="connsiteY0" fmla="*/ 203200 h 203200"/>
-              <a:gd name="connsiteX1" fmla="*/ 221673 w 3048000"/>
-              <a:gd name="connsiteY1" fmla="*/ 0 h 203200"/>
-              <a:gd name="connsiteX2" fmla="*/ 3048000 w 3048000"/>
-              <a:gd name="connsiteY2" fmla="*/ 0 h 203200"/>
-            </a:gdLst>
-            <a:ahLst/>
-            <a:cxnLst>
-              <a:cxn ang="0">
-                <a:pos x="connsiteX0" y="connsiteY0"/>
-              </a:cxn>
-              <a:cxn ang="0">
-                <a:pos x="connsiteX1" y="connsiteY1"/>
-              </a:cxn>
-              <a:cxn ang="0">
-                <a:pos x="connsiteX2" y="connsiteY2"/>
-              </a:cxn>
-            </a:cxnLst>
-            <a:rect l="l" t="t" r="r" b="b"/>
-            <a:pathLst>
-              <a:path w="3048000" h="203200">
-                <a:moveTo>
-                  <a:pt x="0" y="203200"/>
-                </a:moveTo>
-                <a:lnTo>
-                  <a:pt x="221673" y="0"/>
-                </a:lnTo>
-                <a:lnTo>
-                  <a:pt x="3048000" y="0"/>
-                </a:lnTo>
-              </a:path>
-            </a:pathLst>
-          </a:custGeom>
-          <a:noFill/>
-          <a:ln w="19050">
-            <a:solidFill>
-              <a:schemeClr val="accent3"/>
-            </a:solidFill>
-            <a:prstDash val="solid"/>
-            <a:headEnd type="none" w="med" len="med"/>
-            <a:tailEnd type="arrow" w="med" len="med"/>
-          </a:ln>
-          <a:effectLst/>
-        </p:spPr>
-        <p:style>
-          <a:lnRef idx="1">
-            <a:schemeClr val="accent2"/>
-          </a:lnRef>
-          <a:fillRef idx="2">
-            <a:schemeClr val="accent2"/>
-          </a:fillRef>
-          <a:effectRef idx="1">
-            <a:schemeClr val="accent2"/>
-          </a:effectRef>
-          <a:fontRef idx="minor">
-            <a:schemeClr val="dk1"/>
-          </a:fontRef>
-        </p:style>
-        <p:txBody>
-          <a:bodyPr rtlCol="0" anchor="ctr"/>
-          <a:lstStyle/>
-          <a:p>
-            <a:pPr algn="ctr"/>
-            <a:endParaRPr lang="en-SG"/>
-          </a:p>
-        </p:txBody>
-      </p:sp>
-      <p:sp>
-        <p:nvSpPr>
-          <p:cNvPr id="144" name="Rectangle 143"/>
-          <p:cNvSpPr/>
-          <p:nvPr/>
-        </p:nvSpPr>
-        <p:spPr>
-          <a:xfrm>
-            <a:off x="5431573" y="4488138"/>
-            <a:ext cx="229325" cy="160062"/>
-          </a:xfrm>
-          <a:prstGeom prst="rect">
-            <a:avLst/>
-          </a:prstGeom>
-          <a:solidFill>
-            <a:schemeClr val="accent3">
-              <a:lumMod val="20000"/>
-              <a:lumOff val="80000"/>
-              <a:alpha val="80000"/>
-            </a:schemeClr>
-          </a:solidFill>
-          <a:ln>
-            <a:noFill/>
-          </a:ln>
-          <a:effectLst>
-            <a:softEdge rad="31750"/>
-          </a:effectLst>
-        </p:spPr>
-        <p:style>
-          <a:lnRef idx="2">
-            <a:schemeClr val="accent1">
-              <a:shade val="50000"/>
-            </a:schemeClr>
-          </a:lnRef>
-          <a:fillRef idx="1">
-            <a:schemeClr val="accent1"/>
-          </a:fillRef>
-          <a:effectRef idx="0">
-            <a:schemeClr val="accent1"/>
-          </a:effectRef>
-          <a:fontRef idx="minor">
-            <a:schemeClr val="lt1"/>
-          </a:fontRef>
-        </p:style>
-        <p:txBody>
-          <a:bodyPr rtlCol="0" anchor="ctr"/>
-          <a:lstStyle/>
-          <a:p>
-            <a:pPr algn="ctr"/>
-            <a:endParaRPr lang="en-SG"/>
-          </a:p>
-        </p:txBody>
-      </p:sp>
-      <p:sp>
-        <p:nvSpPr>
-          <p:cNvPr id="118" name="Freeform 117"/>
-          <p:cNvSpPr/>
-          <p:nvPr/>
-        </p:nvSpPr>
-        <p:spPr>
-          <a:xfrm flipV="1">
-            <a:off x="4114799" y="4472708"/>
-            <a:ext cx="2642195" cy="101600"/>
-          </a:xfrm>
-          <a:custGeom>
-            <a:avLst/>
-            <a:gdLst>
-              <a:gd name="connsiteX0" fmla="*/ 0 w 3048000"/>
-              <a:gd name="connsiteY0" fmla="*/ 203200 h 203200"/>
-              <a:gd name="connsiteX1" fmla="*/ 221673 w 3048000"/>
-              <a:gd name="connsiteY1" fmla="*/ 0 h 203200"/>
-              <a:gd name="connsiteX2" fmla="*/ 3048000 w 3048000"/>
-              <a:gd name="connsiteY2" fmla="*/ 0 h 203200"/>
-            </a:gdLst>
-            <a:ahLst/>
-            <a:cxnLst>
-              <a:cxn ang="0">
-                <a:pos x="connsiteX0" y="connsiteY0"/>
-              </a:cxn>
-              <a:cxn ang="0">
-                <a:pos x="connsiteX1" y="connsiteY1"/>
-              </a:cxn>
-              <a:cxn ang="0">
-                <a:pos x="connsiteX2" y="connsiteY2"/>
-              </a:cxn>
-            </a:cxnLst>
-            <a:rect l="l" t="t" r="r" b="b"/>
-            <a:pathLst>
-              <a:path w="3048000" h="203200">
-                <a:moveTo>
-                  <a:pt x="0" y="203200"/>
-                </a:moveTo>
-                <a:lnTo>
-                  <a:pt x="221673" y="0"/>
-                </a:lnTo>
-                <a:lnTo>
-                  <a:pt x="3048000" y="0"/>
-                </a:lnTo>
-              </a:path>
-            </a:pathLst>
-          </a:custGeom>
-          <a:noFill/>
-          <a:ln w="19050">
-            <a:solidFill>
-              <a:schemeClr val="accent3"/>
-            </a:solidFill>
-            <a:prstDash val="sysDot"/>
-            <a:headEnd type="none" w="med" len="med"/>
-            <a:tailEnd type="arrow" w="med" len="med"/>
-          </a:ln>
-          <a:effectLst/>
-        </p:spPr>
-        <p:style>
-          <a:lnRef idx="1">
-            <a:schemeClr val="accent2"/>
-          </a:lnRef>
-          <a:fillRef idx="2">
-            <a:schemeClr val="accent2"/>
-          </a:fillRef>
-          <a:effectRef idx="1">
-            <a:schemeClr val="accent2"/>
-          </a:effectRef>
-          <a:fontRef idx="minor">
-            <a:schemeClr val="dk1"/>
-          </a:fontRef>
-        </p:style>
-        <p:txBody>
-          <a:bodyPr rtlCol="0" anchor="ctr"/>
-          <a:lstStyle/>
-          <a:p>
-            <a:pPr algn="ctr"/>
-            <a:endParaRPr lang="en-SG"/>
           </a:p>
         </p:txBody>
       </p:sp>
